--- a/src/숙제/d20200802/정원영/정원영.pptx
+++ b/src/숙제/d20200802/정원영/정원영.pptx
@@ -12,8 +12,8 @@
     <p:sldId id="258" r:id="rId3"/>
     <p:sldId id="264" r:id="rId4"/>
     <p:sldId id="275" r:id="rId5"/>
-    <p:sldId id="268" r:id="rId6"/>
-    <p:sldId id="273" r:id="rId7"/>
+    <p:sldId id="273" r:id="rId6"/>
+    <p:sldId id="268" r:id="rId7"/>
     <p:sldId id="265" r:id="rId8"/>
     <p:sldId id="266" r:id="rId9"/>
     <p:sldId id="267" r:id="rId10"/>
@@ -118,7 +118,7 @@
   </p:defaultTextStyle>
   <p:extLst>
     <p:ext uri="{EFAFB233-063F-42B5-8137-9DF3F51BA10A}">
-      <p15:sldGuideLst xmlns:p15="http://schemas.microsoft.com/office/powerpoint/2012/main">
+      <p15:sldGuideLst xmlns:p15="http://schemas.microsoft.com/office/powerpoint/2012/main" xmlns="">
         <p15:guide id="1" pos="3840" userDrawn="1">
           <p15:clr>
             <a:srgbClr val="A4A3A4"/>
@@ -674,7 +674,7 @@
           <p:cNvPr id="2" name="제목 1">
             <a:extLst>
               <a:ext uri="{FF2B5EF4-FFF2-40B4-BE49-F238E27FC236}">
-                <a16:creationId xmlns:a16="http://schemas.microsoft.com/office/drawing/2014/main" id="{0076FF6F-9263-4EFA-956C-F67D2095E771}"/>
+                <a16:creationId xmlns:a16="http://schemas.microsoft.com/office/drawing/2014/main" xmlns="" id="{0076FF6F-9263-4EFA-956C-F67D2095E771}"/>
               </a:ext>
             </a:extLst>
           </p:cNvPr>
@@ -711,7 +711,7 @@
           <p:cNvPr id="3" name="부제목 2">
             <a:extLst>
               <a:ext uri="{FF2B5EF4-FFF2-40B4-BE49-F238E27FC236}">
-                <a16:creationId xmlns:a16="http://schemas.microsoft.com/office/drawing/2014/main" id="{91289F67-6F96-46D6-B5B1-D58C3620DEC3}"/>
+                <a16:creationId xmlns:a16="http://schemas.microsoft.com/office/drawing/2014/main" xmlns="" id="{91289F67-6F96-46D6-B5B1-D58C3620DEC3}"/>
               </a:ext>
             </a:extLst>
           </p:cNvPr>
@@ -781,7 +781,7 @@
           <p:cNvPr id="4" name="날짜 개체 틀 3">
             <a:extLst>
               <a:ext uri="{FF2B5EF4-FFF2-40B4-BE49-F238E27FC236}">
-                <a16:creationId xmlns:a16="http://schemas.microsoft.com/office/drawing/2014/main" id="{CB1F4207-485E-4D87-AE39-00DAE804200B}"/>
+                <a16:creationId xmlns:a16="http://schemas.microsoft.com/office/drawing/2014/main" xmlns="" id="{CB1F4207-485E-4D87-AE39-00DAE804200B}"/>
               </a:ext>
             </a:extLst>
           </p:cNvPr>
@@ -810,7 +810,7 @@
           <p:cNvPr id="5" name="바닥글 개체 틀 4">
             <a:extLst>
               <a:ext uri="{FF2B5EF4-FFF2-40B4-BE49-F238E27FC236}">
-                <a16:creationId xmlns:a16="http://schemas.microsoft.com/office/drawing/2014/main" id="{458B56F0-EB3F-4219-97D6-1E38663538F9}"/>
+                <a16:creationId xmlns:a16="http://schemas.microsoft.com/office/drawing/2014/main" xmlns="" id="{458B56F0-EB3F-4219-97D6-1E38663538F9}"/>
               </a:ext>
             </a:extLst>
           </p:cNvPr>
@@ -835,7 +835,7 @@
           <p:cNvPr id="6" name="슬라이드 번호 개체 틀 5">
             <a:extLst>
               <a:ext uri="{FF2B5EF4-FFF2-40B4-BE49-F238E27FC236}">
-                <a16:creationId xmlns:a16="http://schemas.microsoft.com/office/drawing/2014/main" id="{B5EE028C-DD25-4CE2-9E9E-4C9E2A62941E}"/>
+                <a16:creationId xmlns:a16="http://schemas.microsoft.com/office/drawing/2014/main" xmlns="" id="{B5EE028C-DD25-4CE2-9E9E-4C9E2A62941E}"/>
               </a:ext>
             </a:extLst>
           </p:cNvPr>
@@ -894,7 +894,7 @@
           <p:cNvPr id="2" name="제목 1">
             <a:extLst>
               <a:ext uri="{FF2B5EF4-FFF2-40B4-BE49-F238E27FC236}">
-                <a16:creationId xmlns:a16="http://schemas.microsoft.com/office/drawing/2014/main" id="{E91229CC-DA8A-4A12-91F5-1F61519BC588}"/>
+                <a16:creationId xmlns:a16="http://schemas.microsoft.com/office/drawing/2014/main" xmlns="" id="{E91229CC-DA8A-4A12-91F5-1F61519BC588}"/>
               </a:ext>
             </a:extLst>
           </p:cNvPr>
@@ -922,7 +922,7 @@
           <p:cNvPr id="3" name="세로 텍스트 개체 틀 2">
             <a:extLst>
               <a:ext uri="{FF2B5EF4-FFF2-40B4-BE49-F238E27FC236}">
-                <a16:creationId xmlns:a16="http://schemas.microsoft.com/office/drawing/2014/main" id="{DE1E3121-A46B-4A60-A4A4-593526642478}"/>
+                <a16:creationId xmlns:a16="http://schemas.microsoft.com/office/drawing/2014/main" xmlns="" id="{DE1E3121-A46B-4A60-A4A4-593526642478}"/>
               </a:ext>
             </a:extLst>
           </p:cNvPr>
@@ -979,7 +979,7 @@
           <p:cNvPr id="4" name="날짜 개체 틀 3">
             <a:extLst>
               <a:ext uri="{FF2B5EF4-FFF2-40B4-BE49-F238E27FC236}">
-                <a16:creationId xmlns:a16="http://schemas.microsoft.com/office/drawing/2014/main" id="{D2A2E662-7B98-4B29-9C95-0D4ACB701E68}"/>
+                <a16:creationId xmlns:a16="http://schemas.microsoft.com/office/drawing/2014/main" xmlns="" id="{D2A2E662-7B98-4B29-9C95-0D4ACB701E68}"/>
               </a:ext>
             </a:extLst>
           </p:cNvPr>
@@ -1008,7 +1008,7 @@
           <p:cNvPr id="5" name="바닥글 개체 틀 4">
             <a:extLst>
               <a:ext uri="{FF2B5EF4-FFF2-40B4-BE49-F238E27FC236}">
-                <a16:creationId xmlns:a16="http://schemas.microsoft.com/office/drawing/2014/main" id="{A04AD65C-FEC8-43D2-82A9-9AC0A4FE57FA}"/>
+                <a16:creationId xmlns:a16="http://schemas.microsoft.com/office/drawing/2014/main" xmlns="" id="{A04AD65C-FEC8-43D2-82A9-9AC0A4FE57FA}"/>
               </a:ext>
             </a:extLst>
           </p:cNvPr>
@@ -1033,7 +1033,7 @@
           <p:cNvPr id="6" name="슬라이드 번호 개체 틀 5">
             <a:extLst>
               <a:ext uri="{FF2B5EF4-FFF2-40B4-BE49-F238E27FC236}">
-                <a16:creationId xmlns:a16="http://schemas.microsoft.com/office/drawing/2014/main" id="{CED29560-F7F1-4146-8E2B-C2040C6C6C43}"/>
+                <a16:creationId xmlns:a16="http://schemas.microsoft.com/office/drawing/2014/main" xmlns="" id="{CED29560-F7F1-4146-8E2B-C2040C6C6C43}"/>
               </a:ext>
             </a:extLst>
           </p:cNvPr>
@@ -1092,7 +1092,7 @@
           <p:cNvPr id="2" name="세로 제목 1">
             <a:extLst>
               <a:ext uri="{FF2B5EF4-FFF2-40B4-BE49-F238E27FC236}">
-                <a16:creationId xmlns:a16="http://schemas.microsoft.com/office/drawing/2014/main" id="{A27D7CC2-4684-4C8B-A516-2C9A9D0C20B1}"/>
+                <a16:creationId xmlns:a16="http://schemas.microsoft.com/office/drawing/2014/main" xmlns="" id="{A27D7CC2-4684-4C8B-A516-2C9A9D0C20B1}"/>
               </a:ext>
             </a:extLst>
           </p:cNvPr>
@@ -1125,7 +1125,7 @@
           <p:cNvPr id="3" name="세로 텍스트 개체 틀 2">
             <a:extLst>
               <a:ext uri="{FF2B5EF4-FFF2-40B4-BE49-F238E27FC236}">
-                <a16:creationId xmlns:a16="http://schemas.microsoft.com/office/drawing/2014/main" id="{6C262EAA-6FA5-4E4B-89B6-B43AF1B95233}"/>
+                <a16:creationId xmlns:a16="http://schemas.microsoft.com/office/drawing/2014/main" xmlns="" id="{6C262EAA-6FA5-4E4B-89B6-B43AF1B95233}"/>
               </a:ext>
             </a:extLst>
           </p:cNvPr>
@@ -1187,7 +1187,7 @@
           <p:cNvPr id="4" name="날짜 개체 틀 3">
             <a:extLst>
               <a:ext uri="{FF2B5EF4-FFF2-40B4-BE49-F238E27FC236}">
-                <a16:creationId xmlns:a16="http://schemas.microsoft.com/office/drawing/2014/main" id="{D7FC266B-FB58-4DF4-9D7A-C6A4B9F18747}"/>
+                <a16:creationId xmlns:a16="http://schemas.microsoft.com/office/drawing/2014/main" xmlns="" id="{D7FC266B-FB58-4DF4-9D7A-C6A4B9F18747}"/>
               </a:ext>
             </a:extLst>
           </p:cNvPr>
@@ -1216,7 +1216,7 @@
           <p:cNvPr id="5" name="바닥글 개체 틀 4">
             <a:extLst>
               <a:ext uri="{FF2B5EF4-FFF2-40B4-BE49-F238E27FC236}">
-                <a16:creationId xmlns:a16="http://schemas.microsoft.com/office/drawing/2014/main" id="{B1E3DB8F-823C-4734-A2AC-116678F64884}"/>
+                <a16:creationId xmlns:a16="http://schemas.microsoft.com/office/drawing/2014/main" xmlns="" id="{B1E3DB8F-823C-4734-A2AC-116678F64884}"/>
               </a:ext>
             </a:extLst>
           </p:cNvPr>
@@ -1241,7 +1241,7 @@
           <p:cNvPr id="6" name="슬라이드 번호 개체 틀 5">
             <a:extLst>
               <a:ext uri="{FF2B5EF4-FFF2-40B4-BE49-F238E27FC236}">
-                <a16:creationId xmlns:a16="http://schemas.microsoft.com/office/drawing/2014/main" id="{A44D6D02-AFDF-4B12-848B-591915B66C70}"/>
+                <a16:creationId xmlns:a16="http://schemas.microsoft.com/office/drawing/2014/main" xmlns="" id="{A44D6D02-AFDF-4B12-848B-591915B66C70}"/>
               </a:ext>
             </a:extLst>
           </p:cNvPr>
@@ -1300,7 +1300,7 @@
           <p:cNvPr id="2" name="제목 1">
             <a:extLst>
               <a:ext uri="{FF2B5EF4-FFF2-40B4-BE49-F238E27FC236}">
-                <a16:creationId xmlns:a16="http://schemas.microsoft.com/office/drawing/2014/main" id="{E9454EC4-6DE7-4610-8987-7CA5C79AE645}"/>
+                <a16:creationId xmlns:a16="http://schemas.microsoft.com/office/drawing/2014/main" xmlns="" id="{E9454EC4-6DE7-4610-8987-7CA5C79AE645}"/>
               </a:ext>
             </a:extLst>
           </p:cNvPr>
@@ -1328,7 +1328,7 @@
           <p:cNvPr id="3" name="내용 개체 틀 2">
             <a:extLst>
               <a:ext uri="{FF2B5EF4-FFF2-40B4-BE49-F238E27FC236}">
-                <a16:creationId xmlns:a16="http://schemas.microsoft.com/office/drawing/2014/main" id="{C6CCC4F9-01FF-402E-BD25-BD1DE99944E8}"/>
+                <a16:creationId xmlns:a16="http://schemas.microsoft.com/office/drawing/2014/main" xmlns="" id="{C6CCC4F9-01FF-402E-BD25-BD1DE99944E8}"/>
               </a:ext>
             </a:extLst>
           </p:cNvPr>
@@ -1385,7 +1385,7 @@
           <p:cNvPr id="4" name="날짜 개체 틀 3">
             <a:extLst>
               <a:ext uri="{FF2B5EF4-FFF2-40B4-BE49-F238E27FC236}">
-                <a16:creationId xmlns:a16="http://schemas.microsoft.com/office/drawing/2014/main" id="{E3F50C58-5B1D-4CD6-BA9F-D21B4942E042}"/>
+                <a16:creationId xmlns:a16="http://schemas.microsoft.com/office/drawing/2014/main" xmlns="" id="{E3F50C58-5B1D-4CD6-BA9F-D21B4942E042}"/>
               </a:ext>
             </a:extLst>
           </p:cNvPr>
@@ -1414,7 +1414,7 @@
           <p:cNvPr id="5" name="바닥글 개체 틀 4">
             <a:extLst>
               <a:ext uri="{FF2B5EF4-FFF2-40B4-BE49-F238E27FC236}">
-                <a16:creationId xmlns:a16="http://schemas.microsoft.com/office/drawing/2014/main" id="{E7C7C8CD-2DE8-4DEF-AE42-75F78DEF0290}"/>
+                <a16:creationId xmlns:a16="http://schemas.microsoft.com/office/drawing/2014/main" xmlns="" id="{E7C7C8CD-2DE8-4DEF-AE42-75F78DEF0290}"/>
               </a:ext>
             </a:extLst>
           </p:cNvPr>
@@ -1439,7 +1439,7 @@
           <p:cNvPr id="6" name="슬라이드 번호 개체 틀 5">
             <a:extLst>
               <a:ext uri="{FF2B5EF4-FFF2-40B4-BE49-F238E27FC236}">
-                <a16:creationId xmlns:a16="http://schemas.microsoft.com/office/drawing/2014/main" id="{EAD8A5D6-5E50-4147-9A0F-5B622457568A}"/>
+                <a16:creationId xmlns:a16="http://schemas.microsoft.com/office/drawing/2014/main" xmlns="" id="{EAD8A5D6-5E50-4147-9A0F-5B622457568A}"/>
               </a:ext>
             </a:extLst>
           </p:cNvPr>
@@ -1498,7 +1498,7 @@
           <p:cNvPr id="2" name="제목 1">
             <a:extLst>
               <a:ext uri="{FF2B5EF4-FFF2-40B4-BE49-F238E27FC236}">
-                <a16:creationId xmlns:a16="http://schemas.microsoft.com/office/drawing/2014/main" id="{97A8E98F-FC40-4E4F-8A84-93D5571FB466}"/>
+                <a16:creationId xmlns:a16="http://schemas.microsoft.com/office/drawing/2014/main" xmlns="" id="{97A8E98F-FC40-4E4F-8A84-93D5571FB466}"/>
               </a:ext>
             </a:extLst>
           </p:cNvPr>
@@ -1535,7 +1535,7 @@
           <p:cNvPr id="3" name="텍스트 개체 틀 2">
             <a:extLst>
               <a:ext uri="{FF2B5EF4-FFF2-40B4-BE49-F238E27FC236}">
-                <a16:creationId xmlns:a16="http://schemas.microsoft.com/office/drawing/2014/main" id="{5178A1BB-D0B1-47A0-9FD5-ACE8D02A2C13}"/>
+                <a16:creationId xmlns:a16="http://schemas.microsoft.com/office/drawing/2014/main" xmlns="" id="{5178A1BB-D0B1-47A0-9FD5-ACE8D02A2C13}"/>
               </a:ext>
             </a:extLst>
           </p:cNvPr>
@@ -1660,7 +1660,7 @@
           <p:cNvPr id="4" name="날짜 개체 틀 3">
             <a:extLst>
               <a:ext uri="{FF2B5EF4-FFF2-40B4-BE49-F238E27FC236}">
-                <a16:creationId xmlns:a16="http://schemas.microsoft.com/office/drawing/2014/main" id="{E9F738A8-F8CB-4D7D-A48C-52F47F6EE89A}"/>
+                <a16:creationId xmlns:a16="http://schemas.microsoft.com/office/drawing/2014/main" xmlns="" id="{E9F738A8-F8CB-4D7D-A48C-52F47F6EE89A}"/>
               </a:ext>
             </a:extLst>
           </p:cNvPr>
@@ -1689,7 +1689,7 @@
           <p:cNvPr id="5" name="바닥글 개체 틀 4">
             <a:extLst>
               <a:ext uri="{FF2B5EF4-FFF2-40B4-BE49-F238E27FC236}">
-                <a16:creationId xmlns:a16="http://schemas.microsoft.com/office/drawing/2014/main" id="{D62092CF-D1E5-4BC9-9035-A06376D09FDB}"/>
+                <a16:creationId xmlns:a16="http://schemas.microsoft.com/office/drawing/2014/main" xmlns="" id="{D62092CF-D1E5-4BC9-9035-A06376D09FDB}"/>
               </a:ext>
             </a:extLst>
           </p:cNvPr>
@@ -1714,7 +1714,7 @@
           <p:cNvPr id="6" name="슬라이드 번호 개체 틀 5">
             <a:extLst>
               <a:ext uri="{FF2B5EF4-FFF2-40B4-BE49-F238E27FC236}">
-                <a16:creationId xmlns:a16="http://schemas.microsoft.com/office/drawing/2014/main" id="{08B4A390-8B78-47A4-ADFB-BF87A56BB7BE}"/>
+                <a16:creationId xmlns:a16="http://schemas.microsoft.com/office/drawing/2014/main" xmlns="" id="{08B4A390-8B78-47A4-ADFB-BF87A56BB7BE}"/>
               </a:ext>
             </a:extLst>
           </p:cNvPr>
@@ -1773,7 +1773,7 @@
           <p:cNvPr id="2" name="제목 1">
             <a:extLst>
               <a:ext uri="{FF2B5EF4-FFF2-40B4-BE49-F238E27FC236}">
-                <a16:creationId xmlns:a16="http://schemas.microsoft.com/office/drawing/2014/main" id="{B737DD89-98DC-4824-B0F9-8B51A0156C0E}"/>
+                <a16:creationId xmlns:a16="http://schemas.microsoft.com/office/drawing/2014/main" xmlns="" id="{B737DD89-98DC-4824-B0F9-8B51A0156C0E}"/>
               </a:ext>
             </a:extLst>
           </p:cNvPr>
@@ -1801,7 +1801,7 @@
           <p:cNvPr id="3" name="내용 개체 틀 2">
             <a:extLst>
               <a:ext uri="{FF2B5EF4-FFF2-40B4-BE49-F238E27FC236}">
-                <a16:creationId xmlns:a16="http://schemas.microsoft.com/office/drawing/2014/main" id="{BC2C7439-9C23-4A0A-BF75-215BD9A76F15}"/>
+                <a16:creationId xmlns:a16="http://schemas.microsoft.com/office/drawing/2014/main" xmlns="" id="{BC2C7439-9C23-4A0A-BF75-215BD9A76F15}"/>
               </a:ext>
             </a:extLst>
           </p:cNvPr>
@@ -1863,7 +1863,7 @@
           <p:cNvPr id="4" name="내용 개체 틀 3">
             <a:extLst>
               <a:ext uri="{FF2B5EF4-FFF2-40B4-BE49-F238E27FC236}">
-                <a16:creationId xmlns:a16="http://schemas.microsoft.com/office/drawing/2014/main" id="{3ECC3ED0-D8F0-4204-91D1-70CDC11974D4}"/>
+                <a16:creationId xmlns:a16="http://schemas.microsoft.com/office/drawing/2014/main" xmlns="" id="{3ECC3ED0-D8F0-4204-91D1-70CDC11974D4}"/>
               </a:ext>
             </a:extLst>
           </p:cNvPr>
@@ -1925,7 +1925,7 @@
           <p:cNvPr id="5" name="날짜 개체 틀 4">
             <a:extLst>
               <a:ext uri="{FF2B5EF4-FFF2-40B4-BE49-F238E27FC236}">
-                <a16:creationId xmlns:a16="http://schemas.microsoft.com/office/drawing/2014/main" id="{D2AA1582-EE06-42A4-9DB0-0FCCD2878505}"/>
+                <a16:creationId xmlns:a16="http://schemas.microsoft.com/office/drawing/2014/main" xmlns="" id="{D2AA1582-EE06-42A4-9DB0-0FCCD2878505}"/>
               </a:ext>
             </a:extLst>
           </p:cNvPr>
@@ -1954,7 +1954,7 @@
           <p:cNvPr id="6" name="바닥글 개체 틀 5">
             <a:extLst>
               <a:ext uri="{FF2B5EF4-FFF2-40B4-BE49-F238E27FC236}">
-                <a16:creationId xmlns:a16="http://schemas.microsoft.com/office/drawing/2014/main" id="{B8323CE2-059F-4F28-8186-11CDE38B6DA2}"/>
+                <a16:creationId xmlns:a16="http://schemas.microsoft.com/office/drawing/2014/main" xmlns="" id="{B8323CE2-059F-4F28-8186-11CDE38B6DA2}"/>
               </a:ext>
             </a:extLst>
           </p:cNvPr>
@@ -1979,7 +1979,7 @@
           <p:cNvPr id="7" name="슬라이드 번호 개체 틀 6">
             <a:extLst>
               <a:ext uri="{FF2B5EF4-FFF2-40B4-BE49-F238E27FC236}">
-                <a16:creationId xmlns:a16="http://schemas.microsoft.com/office/drawing/2014/main" id="{34828BCC-9182-413E-BAA2-2DCE630EB1A6}"/>
+                <a16:creationId xmlns:a16="http://schemas.microsoft.com/office/drawing/2014/main" xmlns="" id="{34828BCC-9182-413E-BAA2-2DCE630EB1A6}"/>
               </a:ext>
             </a:extLst>
           </p:cNvPr>
@@ -2038,7 +2038,7 @@
           <p:cNvPr id="2" name="제목 1">
             <a:extLst>
               <a:ext uri="{FF2B5EF4-FFF2-40B4-BE49-F238E27FC236}">
-                <a16:creationId xmlns:a16="http://schemas.microsoft.com/office/drawing/2014/main" id="{9A19978B-8A55-4189-A213-AE26588DA71F}"/>
+                <a16:creationId xmlns:a16="http://schemas.microsoft.com/office/drawing/2014/main" xmlns="" id="{9A19978B-8A55-4189-A213-AE26588DA71F}"/>
               </a:ext>
             </a:extLst>
           </p:cNvPr>
@@ -2071,7 +2071,7 @@
           <p:cNvPr id="3" name="텍스트 개체 틀 2">
             <a:extLst>
               <a:ext uri="{FF2B5EF4-FFF2-40B4-BE49-F238E27FC236}">
-                <a16:creationId xmlns:a16="http://schemas.microsoft.com/office/drawing/2014/main" id="{073DFB4E-779B-4D8B-A94D-F0DB16C648E1}"/>
+                <a16:creationId xmlns:a16="http://schemas.microsoft.com/office/drawing/2014/main" xmlns="" id="{073DFB4E-779B-4D8B-A94D-F0DB16C648E1}"/>
               </a:ext>
             </a:extLst>
           </p:cNvPr>
@@ -2142,7 +2142,7 @@
           <p:cNvPr id="4" name="내용 개체 틀 3">
             <a:extLst>
               <a:ext uri="{FF2B5EF4-FFF2-40B4-BE49-F238E27FC236}">
-                <a16:creationId xmlns:a16="http://schemas.microsoft.com/office/drawing/2014/main" id="{5D410F58-FAFD-463C-B44A-2F4D1927310A}"/>
+                <a16:creationId xmlns:a16="http://schemas.microsoft.com/office/drawing/2014/main" xmlns="" id="{5D410F58-FAFD-463C-B44A-2F4D1927310A}"/>
               </a:ext>
             </a:extLst>
           </p:cNvPr>
@@ -2204,7 +2204,7 @@
           <p:cNvPr id="5" name="텍스트 개체 틀 4">
             <a:extLst>
               <a:ext uri="{FF2B5EF4-FFF2-40B4-BE49-F238E27FC236}">
-                <a16:creationId xmlns:a16="http://schemas.microsoft.com/office/drawing/2014/main" id="{134A3315-5DA9-4873-9B46-6E66CE3F02D8}"/>
+                <a16:creationId xmlns:a16="http://schemas.microsoft.com/office/drawing/2014/main" xmlns="" id="{134A3315-5DA9-4873-9B46-6E66CE3F02D8}"/>
               </a:ext>
             </a:extLst>
           </p:cNvPr>
@@ -2275,7 +2275,7 @@
           <p:cNvPr id="6" name="내용 개체 틀 5">
             <a:extLst>
               <a:ext uri="{FF2B5EF4-FFF2-40B4-BE49-F238E27FC236}">
-                <a16:creationId xmlns:a16="http://schemas.microsoft.com/office/drawing/2014/main" id="{FE81C49D-6C90-4E67-AB7C-E62116521BA4}"/>
+                <a16:creationId xmlns:a16="http://schemas.microsoft.com/office/drawing/2014/main" xmlns="" id="{FE81C49D-6C90-4E67-AB7C-E62116521BA4}"/>
               </a:ext>
             </a:extLst>
           </p:cNvPr>
@@ -2337,7 +2337,7 @@
           <p:cNvPr id="7" name="날짜 개체 틀 6">
             <a:extLst>
               <a:ext uri="{FF2B5EF4-FFF2-40B4-BE49-F238E27FC236}">
-                <a16:creationId xmlns:a16="http://schemas.microsoft.com/office/drawing/2014/main" id="{81D8BA3C-962C-4390-9CBD-C4804D48C9A7}"/>
+                <a16:creationId xmlns:a16="http://schemas.microsoft.com/office/drawing/2014/main" xmlns="" id="{81D8BA3C-962C-4390-9CBD-C4804D48C9A7}"/>
               </a:ext>
             </a:extLst>
           </p:cNvPr>
@@ -2366,7 +2366,7 @@
           <p:cNvPr id="8" name="바닥글 개체 틀 7">
             <a:extLst>
               <a:ext uri="{FF2B5EF4-FFF2-40B4-BE49-F238E27FC236}">
-                <a16:creationId xmlns:a16="http://schemas.microsoft.com/office/drawing/2014/main" id="{E3D67789-1391-4759-BE74-F03EF7F1B983}"/>
+                <a16:creationId xmlns:a16="http://schemas.microsoft.com/office/drawing/2014/main" xmlns="" id="{E3D67789-1391-4759-BE74-F03EF7F1B983}"/>
               </a:ext>
             </a:extLst>
           </p:cNvPr>
@@ -2391,7 +2391,7 @@
           <p:cNvPr id="9" name="슬라이드 번호 개체 틀 8">
             <a:extLst>
               <a:ext uri="{FF2B5EF4-FFF2-40B4-BE49-F238E27FC236}">
-                <a16:creationId xmlns:a16="http://schemas.microsoft.com/office/drawing/2014/main" id="{409AF217-D70D-4BD1-9993-FC72230B95F4}"/>
+                <a16:creationId xmlns:a16="http://schemas.microsoft.com/office/drawing/2014/main" xmlns="" id="{409AF217-D70D-4BD1-9993-FC72230B95F4}"/>
               </a:ext>
             </a:extLst>
           </p:cNvPr>
@@ -2450,7 +2450,7 @@
           <p:cNvPr id="2" name="제목 1">
             <a:extLst>
               <a:ext uri="{FF2B5EF4-FFF2-40B4-BE49-F238E27FC236}">
-                <a16:creationId xmlns:a16="http://schemas.microsoft.com/office/drawing/2014/main" id="{F342432C-D5E9-400F-B7C6-CB4EFCF7A06E}"/>
+                <a16:creationId xmlns:a16="http://schemas.microsoft.com/office/drawing/2014/main" xmlns="" id="{F342432C-D5E9-400F-B7C6-CB4EFCF7A06E}"/>
               </a:ext>
             </a:extLst>
           </p:cNvPr>
@@ -2478,7 +2478,7 @@
           <p:cNvPr id="3" name="날짜 개체 틀 2">
             <a:extLst>
               <a:ext uri="{FF2B5EF4-FFF2-40B4-BE49-F238E27FC236}">
-                <a16:creationId xmlns:a16="http://schemas.microsoft.com/office/drawing/2014/main" id="{E93F6F28-A010-40AF-A256-107C88A1C51C}"/>
+                <a16:creationId xmlns:a16="http://schemas.microsoft.com/office/drawing/2014/main" xmlns="" id="{E93F6F28-A010-40AF-A256-107C88A1C51C}"/>
               </a:ext>
             </a:extLst>
           </p:cNvPr>
@@ -2507,7 +2507,7 @@
           <p:cNvPr id="4" name="바닥글 개체 틀 3">
             <a:extLst>
               <a:ext uri="{FF2B5EF4-FFF2-40B4-BE49-F238E27FC236}">
-                <a16:creationId xmlns:a16="http://schemas.microsoft.com/office/drawing/2014/main" id="{52FF54D9-AECE-4AAA-BC24-8628DD73F76B}"/>
+                <a16:creationId xmlns:a16="http://schemas.microsoft.com/office/drawing/2014/main" xmlns="" id="{52FF54D9-AECE-4AAA-BC24-8628DD73F76B}"/>
               </a:ext>
             </a:extLst>
           </p:cNvPr>
@@ -2532,7 +2532,7 @@
           <p:cNvPr id="5" name="슬라이드 번호 개체 틀 4">
             <a:extLst>
               <a:ext uri="{FF2B5EF4-FFF2-40B4-BE49-F238E27FC236}">
-                <a16:creationId xmlns:a16="http://schemas.microsoft.com/office/drawing/2014/main" id="{C55E4D76-2C64-4832-B288-847096CB85BA}"/>
+                <a16:creationId xmlns:a16="http://schemas.microsoft.com/office/drawing/2014/main" xmlns="" id="{C55E4D76-2C64-4832-B288-847096CB85BA}"/>
               </a:ext>
             </a:extLst>
           </p:cNvPr>
@@ -2591,7 +2591,7 @@
           <p:cNvPr id="2" name="날짜 개체 틀 1">
             <a:extLst>
               <a:ext uri="{FF2B5EF4-FFF2-40B4-BE49-F238E27FC236}">
-                <a16:creationId xmlns:a16="http://schemas.microsoft.com/office/drawing/2014/main" id="{2324B847-F5D7-41E2-A5FE-E45311CCD55F}"/>
+                <a16:creationId xmlns:a16="http://schemas.microsoft.com/office/drawing/2014/main" xmlns="" id="{2324B847-F5D7-41E2-A5FE-E45311CCD55F}"/>
               </a:ext>
             </a:extLst>
           </p:cNvPr>
@@ -2620,7 +2620,7 @@
           <p:cNvPr id="3" name="바닥글 개체 틀 2">
             <a:extLst>
               <a:ext uri="{FF2B5EF4-FFF2-40B4-BE49-F238E27FC236}">
-                <a16:creationId xmlns:a16="http://schemas.microsoft.com/office/drawing/2014/main" id="{2ACF0901-E183-43B6-A783-165B53DEE384}"/>
+                <a16:creationId xmlns:a16="http://schemas.microsoft.com/office/drawing/2014/main" xmlns="" id="{2ACF0901-E183-43B6-A783-165B53DEE384}"/>
               </a:ext>
             </a:extLst>
           </p:cNvPr>
@@ -2645,7 +2645,7 @@
           <p:cNvPr id="4" name="슬라이드 번호 개체 틀 3">
             <a:extLst>
               <a:ext uri="{FF2B5EF4-FFF2-40B4-BE49-F238E27FC236}">
-                <a16:creationId xmlns:a16="http://schemas.microsoft.com/office/drawing/2014/main" id="{0F895F98-0EC3-4FDF-95B7-AA0A1E31D3EB}"/>
+                <a16:creationId xmlns:a16="http://schemas.microsoft.com/office/drawing/2014/main" xmlns="" id="{0F895F98-0EC3-4FDF-95B7-AA0A1E31D3EB}"/>
               </a:ext>
             </a:extLst>
           </p:cNvPr>
@@ -2704,7 +2704,7 @@
           <p:cNvPr id="2" name="제목 1">
             <a:extLst>
               <a:ext uri="{FF2B5EF4-FFF2-40B4-BE49-F238E27FC236}">
-                <a16:creationId xmlns:a16="http://schemas.microsoft.com/office/drawing/2014/main" id="{BC37F46F-2C4D-4BEE-A9D3-B35868E1073D}"/>
+                <a16:creationId xmlns:a16="http://schemas.microsoft.com/office/drawing/2014/main" xmlns="" id="{BC37F46F-2C4D-4BEE-A9D3-B35868E1073D}"/>
               </a:ext>
             </a:extLst>
           </p:cNvPr>
@@ -2741,7 +2741,7 @@
           <p:cNvPr id="3" name="내용 개체 틀 2">
             <a:extLst>
               <a:ext uri="{FF2B5EF4-FFF2-40B4-BE49-F238E27FC236}">
-                <a16:creationId xmlns:a16="http://schemas.microsoft.com/office/drawing/2014/main" id="{F1FDAC53-2DB6-43B2-8168-B017EA02043B}"/>
+                <a16:creationId xmlns:a16="http://schemas.microsoft.com/office/drawing/2014/main" xmlns="" id="{F1FDAC53-2DB6-43B2-8168-B017EA02043B}"/>
               </a:ext>
             </a:extLst>
           </p:cNvPr>
@@ -2831,7 +2831,7 @@
           <p:cNvPr id="4" name="텍스트 개체 틀 3">
             <a:extLst>
               <a:ext uri="{FF2B5EF4-FFF2-40B4-BE49-F238E27FC236}">
-                <a16:creationId xmlns:a16="http://schemas.microsoft.com/office/drawing/2014/main" id="{3255E369-8FC6-429C-AB82-E02351E9CAAA}"/>
+                <a16:creationId xmlns:a16="http://schemas.microsoft.com/office/drawing/2014/main" xmlns="" id="{3255E369-8FC6-429C-AB82-E02351E9CAAA}"/>
               </a:ext>
             </a:extLst>
           </p:cNvPr>
@@ -2902,7 +2902,7 @@
           <p:cNvPr id="5" name="날짜 개체 틀 4">
             <a:extLst>
               <a:ext uri="{FF2B5EF4-FFF2-40B4-BE49-F238E27FC236}">
-                <a16:creationId xmlns:a16="http://schemas.microsoft.com/office/drawing/2014/main" id="{3E27D390-886F-46CD-B7CE-571F34ABD045}"/>
+                <a16:creationId xmlns:a16="http://schemas.microsoft.com/office/drawing/2014/main" xmlns="" id="{3E27D390-886F-46CD-B7CE-571F34ABD045}"/>
               </a:ext>
             </a:extLst>
           </p:cNvPr>
@@ -2931,7 +2931,7 @@
           <p:cNvPr id="6" name="바닥글 개체 틀 5">
             <a:extLst>
               <a:ext uri="{FF2B5EF4-FFF2-40B4-BE49-F238E27FC236}">
-                <a16:creationId xmlns:a16="http://schemas.microsoft.com/office/drawing/2014/main" id="{ACC82C1F-C982-41D1-98F8-F5708A26AF35}"/>
+                <a16:creationId xmlns:a16="http://schemas.microsoft.com/office/drawing/2014/main" xmlns="" id="{ACC82C1F-C982-41D1-98F8-F5708A26AF35}"/>
               </a:ext>
             </a:extLst>
           </p:cNvPr>
@@ -2956,7 +2956,7 @@
           <p:cNvPr id="7" name="슬라이드 번호 개체 틀 6">
             <a:extLst>
               <a:ext uri="{FF2B5EF4-FFF2-40B4-BE49-F238E27FC236}">
-                <a16:creationId xmlns:a16="http://schemas.microsoft.com/office/drawing/2014/main" id="{F591EEA7-19CD-40F7-BC91-3B53D97F0715}"/>
+                <a16:creationId xmlns:a16="http://schemas.microsoft.com/office/drawing/2014/main" xmlns="" id="{F591EEA7-19CD-40F7-BC91-3B53D97F0715}"/>
               </a:ext>
             </a:extLst>
           </p:cNvPr>
@@ -3015,7 +3015,7 @@
           <p:cNvPr id="2" name="제목 1">
             <a:extLst>
               <a:ext uri="{FF2B5EF4-FFF2-40B4-BE49-F238E27FC236}">
-                <a16:creationId xmlns:a16="http://schemas.microsoft.com/office/drawing/2014/main" id="{DBB4719F-631A-4BBD-BA45-B0C3655C8B82}"/>
+                <a16:creationId xmlns:a16="http://schemas.microsoft.com/office/drawing/2014/main" xmlns="" id="{DBB4719F-631A-4BBD-BA45-B0C3655C8B82}"/>
               </a:ext>
             </a:extLst>
           </p:cNvPr>
@@ -3052,7 +3052,7 @@
           <p:cNvPr id="3" name="그림 개체 틀 2">
             <a:extLst>
               <a:ext uri="{FF2B5EF4-FFF2-40B4-BE49-F238E27FC236}">
-                <a16:creationId xmlns:a16="http://schemas.microsoft.com/office/drawing/2014/main" id="{FD2A26D1-7BCE-42E9-BD61-36C36296E8E4}"/>
+                <a16:creationId xmlns:a16="http://schemas.microsoft.com/office/drawing/2014/main" xmlns="" id="{FD2A26D1-7BCE-42E9-BD61-36C36296E8E4}"/>
               </a:ext>
             </a:extLst>
           </p:cNvPr>
@@ -3119,7 +3119,7 @@
           <p:cNvPr id="4" name="텍스트 개체 틀 3">
             <a:extLst>
               <a:ext uri="{FF2B5EF4-FFF2-40B4-BE49-F238E27FC236}">
-                <a16:creationId xmlns:a16="http://schemas.microsoft.com/office/drawing/2014/main" id="{655C561B-F340-48AA-A248-C9981530C5E0}"/>
+                <a16:creationId xmlns:a16="http://schemas.microsoft.com/office/drawing/2014/main" xmlns="" id="{655C561B-F340-48AA-A248-C9981530C5E0}"/>
               </a:ext>
             </a:extLst>
           </p:cNvPr>
@@ -3190,7 +3190,7 @@
           <p:cNvPr id="5" name="날짜 개체 틀 4">
             <a:extLst>
               <a:ext uri="{FF2B5EF4-FFF2-40B4-BE49-F238E27FC236}">
-                <a16:creationId xmlns:a16="http://schemas.microsoft.com/office/drawing/2014/main" id="{9EA20B1D-203E-4A63-B410-593069D21509}"/>
+                <a16:creationId xmlns:a16="http://schemas.microsoft.com/office/drawing/2014/main" xmlns="" id="{9EA20B1D-203E-4A63-B410-593069D21509}"/>
               </a:ext>
             </a:extLst>
           </p:cNvPr>
@@ -3219,7 +3219,7 @@
           <p:cNvPr id="6" name="바닥글 개체 틀 5">
             <a:extLst>
               <a:ext uri="{FF2B5EF4-FFF2-40B4-BE49-F238E27FC236}">
-                <a16:creationId xmlns:a16="http://schemas.microsoft.com/office/drawing/2014/main" id="{541257E4-FAB2-4EF1-8EB3-058C73F0F74B}"/>
+                <a16:creationId xmlns:a16="http://schemas.microsoft.com/office/drawing/2014/main" xmlns="" id="{541257E4-FAB2-4EF1-8EB3-058C73F0F74B}"/>
               </a:ext>
             </a:extLst>
           </p:cNvPr>
@@ -3244,7 +3244,7 @@
           <p:cNvPr id="7" name="슬라이드 번호 개체 틀 6">
             <a:extLst>
               <a:ext uri="{FF2B5EF4-FFF2-40B4-BE49-F238E27FC236}">
-                <a16:creationId xmlns:a16="http://schemas.microsoft.com/office/drawing/2014/main" id="{5C5C1788-DBDE-4285-8B4F-8F06BF49C79A}"/>
+                <a16:creationId xmlns:a16="http://schemas.microsoft.com/office/drawing/2014/main" xmlns="" id="{5C5C1788-DBDE-4285-8B4F-8F06BF49C79A}"/>
               </a:ext>
             </a:extLst>
           </p:cNvPr>
@@ -3308,7 +3308,7 @@
           <p:cNvPr id="2" name="제목 개체 틀 1">
             <a:extLst>
               <a:ext uri="{FF2B5EF4-FFF2-40B4-BE49-F238E27FC236}">
-                <a16:creationId xmlns:a16="http://schemas.microsoft.com/office/drawing/2014/main" id="{5CEA5D5A-DDCD-49C8-80CA-76571126E9A3}"/>
+                <a16:creationId xmlns:a16="http://schemas.microsoft.com/office/drawing/2014/main" xmlns="" id="{5CEA5D5A-DDCD-49C8-80CA-76571126E9A3}"/>
               </a:ext>
             </a:extLst>
           </p:cNvPr>
@@ -3346,7 +3346,7 @@
           <p:cNvPr id="3" name="텍스트 개체 틀 2">
             <a:extLst>
               <a:ext uri="{FF2B5EF4-FFF2-40B4-BE49-F238E27FC236}">
-                <a16:creationId xmlns:a16="http://schemas.microsoft.com/office/drawing/2014/main" id="{88728CC2-F1B2-41D0-BB5E-F59CCCB050F5}"/>
+                <a16:creationId xmlns:a16="http://schemas.microsoft.com/office/drawing/2014/main" xmlns="" id="{88728CC2-F1B2-41D0-BB5E-F59CCCB050F5}"/>
               </a:ext>
             </a:extLst>
           </p:cNvPr>
@@ -3413,7 +3413,7 @@
           <p:cNvPr id="4" name="날짜 개체 틀 3">
             <a:extLst>
               <a:ext uri="{FF2B5EF4-FFF2-40B4-BE49-F238E27FC236}">
-                <a16:creationId xmlns:a16="http://schemas.microsoft.com/office/drawing/2014/main" id="{EEE67E51-AD0A-41A3-B8F7-8447B1A2EE4B}"/>
+                <a16:creationId xmlns:a16="http://schemas.microsoft.com/office/drawing/2014/main" xmlns="" id="{EEE67E51-AD0A-41A3-B8F7-8447B1A2EE4B}"/>
               </a:ext>
             </a:extLst>
           </p:cNvPr>
@@ -3460,7 +3460,7 @@
           <p:cNvPr id="5" name="바닥글 개체 틀 4">
             <a:extLst>
               <a:ext uri="{FF2B5EF4-FFF2-40B4-BE49-F238E27FC236}">
-                <a16:creationId xmlns:a16="http://schemas.microsoft.com/office/drawing/2014/main" id="{8F14A435-53A2-4644-A2C3-B3A343CC98CB}"/>
+                <a16:creationId xmlns:a16="http://schemas.microsoft.com/office/drawing/2014/main" xmlns="" id="{8F14A435-53A2-4644-A2C3-B3A343CC98CB}"/>
               </a:ext>
             </a:extLst>
           </p:cNvPr>
@@ -3503,7 +3503,7 @@
           <p:cNvPr id="6" name="슬라이드 번호 개체 틀 5">
             <a:extLst>
               <a:ext uri="{FF2B5EF4-FFF2-40B4-BE49-F238E27FC236}">
-                <a16:creationId xmlns:a16="http://schemas.microsoft.com/office/drawing/2014/main" id="{AF5AC464-139F-4477-8EAE-85F9EBD2508B}"/>
+                <a16:creationId xmlns:a16="http://schemas.microsoft.com/office/drawing/2014/main" xmlns="" id="{AF5AC464-139F-4477-8EAE-85F9EBD2508B}"/>
               </a:ext>
             </a:extLst>
           </p:cNvPr>
@@ -3871,7 +3871,7 @@
           <p:cNvPr id="2" name="제목 1">
             <a:extLst>
               <a:ext uri="{FF2B5EF4-FFF2-40B4-BE49-F238E27FC236}">
-                <a16:creationId xmlns:a16="http://schemas.microsoft.com/office/drawing/2014/main" id="{6B77E84E-A412-4E4C-AF64-54A6AB5172D5}"/>
+                <a16:creationId xmlns:a16="http://schemas.microsoft.com/office/drawing/2014/main" xmlns="" id="{6B77E84E-A412-4E4C-AF64-54A6AB5172D5}"/>
               </a:ext>
             </a:extLst>
           </p:cNvPr>
@@ -3894,9 +3894,17 @@
           </a:bodyPr>
           <a:lstStyle/>
           <a:p>
+            <a:r>
+              <a:rPr lang="en-US" altLang="ko-KR" b="1" dirty="0"/>
+              <a:t/>
+            </a:r>
             <a:br>
               <a:rPr lang="en-US" altLang="ko-KR" b="1" dirty="0"/>
             </a:br>
+            <a:r>
+              <a:rPr lang="en-US" altLang="ko-KR" b="1" dirty="0"/>
+              <a:t/>
+            </a:r>
             <a:br>
               <a:rPr lang="en-US" altLang="ko-KR" b="1" dirty="0"/>
             </a:br>
@@ -3917,7 +3925,7 @@
           <p:cNvPr id="3" name="부제목 2">
             <a:extLst>
               <a:ext uri="{FF2B5EF4-FFF2-40B4-BE49-F238E27FC236}">
-                <a16:creationId xmlns:a16="http://schemas.microsoft.com/office/drawing/2014/main" id="{CA50AEF0-FA03-4D18-972E-D1D8B3297005}"/>
+                <a16:creationId xmlns:a16="http://schemas.microsoft.com/office/drawing/2014/main" xmlns="" id="{CA50AEF0-FA03-4D18-972E-D1D8B3297005}"/>
               </a:ext>
             </a:extLst>
           </p:cNvPr>
@@ -3975,7 +3983,7 @@
           <p:cNvPr id="5" name="제목 1">
             <a:extLst>
               <a:ext uri="{FF2B5EF4-FFF2-40B4-BE49-F238E27FC236}">
-                <a16:creationId xmlns:a16="http://schemas.microsoft.com/office/drawing/2014/main" id="{071567A5-E6BD-46FA-A450-AA9ECD9A8EF2}"/>
+                <a16:creationId xmlns:a16="http://schemas.microsoft.com/office/drawing/2014/main" xmlns="" id="{071567A5-E6BD-46FA-A450-AA9ECD9A8EF2}"/>
               </a:ext>
             </a:extLst>
           </p:cNvPr>
@@ -4026,7 +4034,7 @@
           <p:cNvPr id="6" name="부제목 2">
             <a:extLst>
               <a:ext uri="{FF2B5EF4-FFF2-40B4-BE49-F238E27FC236}">
-                <a16:creationId xmlns:a16="http://schemas.microsoft.com/office/drawing/2014/main" id="{508F6724-8998-4EFA-82F0-53051CB49B7A}"/>
+                <a16:creationId xmlns:a16="http://schemas.microsoft.com/office/drawing/2014/main" xmlns="" id="{508F6724-8998-4EFA-82F0-53051CB49B7A}"/>
               </a:ext>
             </a:extLst>
           </p:cNvPr>
@@ -4289,7 +4297,7 @@
           <p:cNvPr id="2" name="제목 1">
             <a:extLst>
               <a:ext uri="{FF2B5EF4-FFF2-40B4-BE49-F238E27FC236}">
-                <a16:creationId xmlns:a16="http://schemas.microsoft.com/office/drawing/2014/main" id="{96CD7439-7D33-43A2-A98B-6D539C0D9FD7}"/>
+                <a16:creationId xmlns:a16="http://schemas.microsoft.com/office/drawing/2014/main" xmlns="" id="{96CD7439-7D33-43A2-A98B-6D539C0D9FD7}"/>
               </a:ext>
             </a:extLst>
           </p:cNvPr>
@@ -4356,7 +4364,7 @@
           <p:cNvPr id="4" name="TextBox 3">
             <a:extLst>
               <a:ext uri="{FF2B5EF4-FFF2-40B4-BE49-F238E27FC236}">
-                <a16:creationId xmlns:a16="http://schemas.microsoft.com/office/drawing/2014/main" id="{8CD3CB4D-C492-4C04-903F-0A21B9C89DB5}"/>
+                <a16:creationId xmlns:a16="http://schemas.microsoft.com/office/drawing/2014/main" xmlns="" id="{8CD3CB4D-C492-4C04-903F-0A21B9C89DB5}"/>
               </a:ext>
             </a:extLst>
           </p:cNvPr>
@@ -4394,7 +4402,7 @@
           <p:cNvPr id="6" name="직선 연결선 5">
             <a:extLst>
               <a:ext uri="{FF2B5EF4-FFF2-40B4-BE49-F238E27FC236}">
-                <a16:creationId xmlns:a16="http://schemas.microsoft.com/office/drawing/2014/main" id="{D69EC740-4310-4DC6-A821-F330CA42F051}"/>
+                <a16:creationId xmlns:a16="http://schemas.microsoft.com/office/drawing/2014/main" xmlns="" id="{D69EC740-4310-4DC6-A821-F330CA42F051}"/>
               </a:ext>
             </a:extLst>
           </p:cNvPr>
@@ -4433,7 +4441,7 @@
           <p:cNvPr id="12" name="내용 개체 틀 11">
             <a:extLst>
               <a:ext uri="{FF2B5EF4-FFF2-40B4-BE49-F238E27FC236}">
-                <a16:creationId xmlns:a16="http://schemas.microsoft.com/office/drawing/2014/main" id="{9E2DC5F8-6E94-4673-AF01-A6BE64595FC6}"/>
+                <a16:creationId xmlns:a16="http://schemas.microsoft.com/office/drawing/2014/main" xmlns="" id="{9E2DC5F8-6E94-4673-AF01-A6BE64595FC6}"/>
               </a:ext>
             </a:extLst>
           </p:cNvPr>
@@ -4612,7 +4620,7 @@
           <p:cNvPr id="15" name="TextBox 14">
             <a:extLst>
               <a:ext uri="{FF2B5EF4-FFF2-40B4-BE49-F238E27FC236}">
-                <a16:creationId xmlns:a16="http://schemas.microsoft.com/office/drawing/2014/main" id="{529B6460-A75D-413A-99A0-7F4224832EE0}"/>
+                <a16:creationId xmlns:a16="http://schemas.microsoft.com/office/drawing/2014/main" xmlns="" id="{529B6460-A75D-413A-99A0-7F4224832EE0}"/>
               </a:ext>
             </a:extLst>
           </p:cNvPr>
@@ -4679,7 +4687,7 @@
           <p:cNvPr id="16" name="직사각형 15">
             <a:extLst>
               <a:ext uri="{FF2B5EF4-FFF2-40B4-BE49-F238E27FC236}">
-                <a16:creationId xmlns:a16="http://schemas.microsoft.com/office/drawing/2014/main" id="{E8119270-A6B3-4886-B94A-F7E75DD28FDE}"/>
+                <a16:creationId xmlns:a16="http://schemas.microsoft.com/office/drawing/2014/main" xmlns="" id="{E8119270-A6B3-4886-B94A-F7E75DD28FDE}"/>
               </a:ext>
             </a:extLst>
           </p:cNvPr>
@@ -4727,7 +4735,7 @@
           <p:cNvPr id="17" name="TextBox 16">
             <a:extLst>
               <a:ext uri="{FF2B5EF4-FFF2-40B4-BE49-F238E27FC236}">
-                <a16:creationId xmlns:a16="http://schemas.microsoft.com/office/drawing/2014/main" id="{50B37C0D-83B6-46A1-8B00-679F015F7D07}"/>
+                <a16:creationId xmlns:a16="http://schemas.microsoft.com/office/drawing/2014/main" xmlns="" id="{50B37C0D-83B6-46A1-8B00-679F015F7D07}"/>
               </a:ext>
             </a:extLst>
           </p:cNvPr>
@@ -4763,7 +4771,7 @@
           <p:cNvPr id="19" name="TextBox 18">
             <a:extLst>
               <a:ext uri="{FF2B5EF4-FFF2-40B4-BE49-F238E27FC236}">
-                <a16:creationId xmlns:a16="http://schemas.microsoft.com/office/drawing/2014/main" id="{35F1AE2A-9CA1-482A-ADAD-3929A52CE725}"/>
+                <a16:creationId xmlns:a16="http://schemas.microsoft.com/office/drawing/2014/main" xmlns="" id="{35F1AE2A-9CA1-482A-ADAD-3929A52CE725}"/>
               </a:ext>
             </a:extLst>
           </p:cNvPr>
@@ -4816,6 +4824,13 @@
   <p:clrMapOvr>
     <a:masterClrMapping/>
   </p:clrMapOvr>
+  <p:timing>
+    <p:tnLst>
+      <p:par>
+        <p:cTn id="1" dur="indefinite" restart="never" nodeType="tmRoot"/>
+      </p:par>
+    </p:tnLst>
+  </p:timing>
 </p:sld>
 </file>
 
@@ -4841,7 +4856,7 @@
           <p:cNvPr id="7" name="그림 6">
             <a:extLst>
               <a:ext uri="{FF2B5EF4-FFF2-40B4-BE49-F238E27FC236}">
-                <a16:creationId xmlns:a16="http://schemas.microsoft.com/office/drawing/2014/main" id="{91D4FBA0-0F77-49B9-9F34-08280BEFDF98}"/>
+                <a16:creationId xmlns:a16="http://schemas.microsoft.com/office/drawing/2014/main" xmlns="" id="{91D4FBA0-0F77-49B9-9F34-08280BEFDF98}"/>
               </a:ext>
             </a:extLst>
           </p:cNvPr>
@@ -4877,7 +4892,7 @@
           <p:cNvPr id="4" name="TextBox 3">
             <a:extLst>
               <a:ext uri="{FF2B5EF4-FFF2-40B4-BE49-F238E27FC236}">
-                <a16:creationId xmlns:a16="http://schemas.microsoft.com/office/drawing/2014/main" id="{8CD3CB4D-C492-4C04-903F-0A21B9C89DB5}"/>
+                <a16:creationId xmlns:a16="http://schemas.microsoft.com/office/drawing/2014/main" xmlns="" id="{8CD3CB4D-C492-4C04-903F-0A21B9C89DB5}"/>
               </a:ext>
             </a:extLst>
           </p:cNvPr>
@@ -4935,7 +4950,7 @@
           <p:cNvPr id="6" name="직선 연결선 5">
             <a:extLst>
               <a:ext uri="{FF2B5EF4-FFF2-40B4-BE49-F238E27FC236}">
-                <a16:creationId xmlns:a16="http://schemas.microsoft.com/office/drawing/2014/main" id="{D69EC740-4310-4DC6-A821-F330CA42F051}"/>
+                <a16:creationId xmlns:a16="http://schemas.microsoft.com/office/drawing/2014/main" xmlns="" id="{D69EC740-4310-4DC6-A821-F330CA42F051}"/>
               </a:ext>
             </a:extLst>
           </p:cNvPr>
@@ -4974,7 +4989,7 @@
           <p:cNvPr id="3" name="부제목 2">
             <a:extLst>
               <a:ext uri="{FF2B5EF4-FFF2-40B4-BE49-F238E27FC236}">
-                <a16:creationId xmlns:a16="http://schemas.microsoft.com/office/drawing/2014/main" id="{0A909AD2-86D5-4808-B338-E772E8F2845F}"/>
+                <a16:creationId xmlns:a16="http://schemas.microsoft.com/office/drawing/2014/main" xmlns="" id="{0A909AD2-86D5-4808-B338-E772E8F2845F}"/>
               </a:ext>
             </a:extLst>
           </p:cNvPr>
@@ -5059,6 +5074,13 @@
   <p:clrMapOvr>
     <a:masterClrMapping/>
   </p:clrMapOvr>
+  <p:timing>
+    <p:tnLst>
+      <p:par>
+        <p:cTn id="1" dur="indefinite" restart="never" nodeType="tmRoot"/>
+      </p:par>
+    </p:tnLst>
+  </p:timing>
 </p:sld>
 </file>
 
@@ -5084,7 +5106,7 @@
           <p:cNvPr id="7" name="그림 6">
             <a:extLst>
               <a:ext uri="{FF2B5EF4-FFF2-40B4-BE49-F238E27FC236}">
-                <a16:creationId xmlns:a16="http://schemas.microsoft.com/office/drawing/2014/main" id="{91D4FBA0-0F77-49B9-9F34-08280BEFDF98}"/>
+                <a16:creationId xmlns:a16="http://schemas.microsoft.com/office/drawing/2014/main" xmlns="" id="{91D4FBA0-0F77-49B9-9F34-08280BEFDF98}"/>
               </a:ext>
             </a:extLst>
           </p:cNvPr>
@@ -5120,7 +5142,7 @@
           <p:cNvPr id="4" name="TextBox 3">
             <a:extLst>
               <a:ext uri="{FF2B5EF4-FFF2-40B4-BE49-F238E27FC236}">
-                <a16:creationId xmlns:a16="http://schemas.microsoft.com/office/drawing/2014/main" id="{8CD3CB4D-C492-4C04-903F-0A21B9C89DB5}"/>
+                <a16:creationId xmlns:a16="http://schemas.microsoft.com/office/drawing/2014/main" xmlns="" id="{8CD3CB4D-C492-4C04-903F-0A21B9C89DB5}"/>
               </a:ext>
             </a:extLst>
           </p:cNvPr>
@@ -5178,7 +5200,7 @@
           <p:cNvPr id="6" name="직선 연결선 5">
             <a:extLst>
               <a:ext uri="{FF2B5EF4-FFF2-40B4-BE49-F238E27FC236}">
-                <a16:creationId xmlns:a16="http://schemas.microsoft.com/office/drawing/2014/main" id="{D69EC740-4310-4DC6-A821-F330CA42F051}"/>
+                <a16:creationId xmlns:a16="http://schemas.microsoft.com/office/drawing/2014/main" xmlns="" id="{D69EC740-4310-4DC6-A821-F330CA42F051}"/>
               </a:ext>
             </a:extLst>
           </p:cNvPr>
@@ -5217,7 +5239,7 @@
           <p:cNvPr id="3" name="부제목 2">
             <a:extLst>
               <a:ext uri="{FF2B5EF4-FFF2-40B4-BE49-F238E27FC236}">
-                <a16:creationId xmlns:a16="http://schemas.microsoft.com/office/drawing/2014/main" id="{0A909AD2-86D5-4808-B338-E772E8F2845F}"/>
+                <a16:creationId xmlns:a16="http://schemas.microsoft.com/office/drawing/2014/main" xmlns="" id="{0A909AD2-86D5-4808-B338-E772E8F2845F}"/>
               </a:ext>
             </a:extLst>
           </p:cNvPr>
@@ -5297,7 +5319,7 @@
           <p:cNvPr id="8" name="직사각형 7">
             <a:extLst>
               <a:ext uri="{FF2B5EF4-FFF2-40B4-BE49-F238E27FC236}">
-                <a16:creationId xmlns:a16="http://schemas.microsoft.com/office/drawing/2014/main" id="{FDB46B78-A837-455D-9756-27F8113B59B2}"/>
+                <a16:creationId xmlns:a16="http://schemas.microsoft.com/office/drawing/2014/main" xmlns="" id="{FDB46B78-A837-455D-9756-27F8113B59B2}"/>
               </a:ext>
             </a:extLst>
           </p:cNvPr>
@@ -5354,6 +5376,13 @@
   <p:clrMapOvr>
     <a:masterClrMapping/>
   </p:clrMapOvr>
+  <p:timing>
+    <p:tnLst>
+      <p:par>
+        <p:cTn id="1" dur="indefinite" restart="never" nodeType="tmRoot"/>
+      </p:par>
+    </p:tnLst>
+  </p:timing>
 </p:sld>
 </file>
 
@@ -5374,12 +5403,48 @@
           <a:chExt cx="0" cy="0"/>
         </a:xfrm>
       </p:grpSpPr>
+      <p:pic>
+        <p:nvPicPr>
+          <p:cNvPr id="18" name="그림 17">
+            <a:extLst>
+              <a:ext uri="{FF2B5EF4-FFF2-40B4-BE49-F238E27FC236}">
+                <a16:creationId xmlns:a16="http://schemas.microsoft.com/office/drawing/2014/main" xmlns="" id="{0D585EAB-C877-44FB-A7F8-B4D9F9FA8131}"/>
+              </a:ext>
+            </a:extLst>
+          </p:cNvPr>
+          <p:cNvPicPr>
+            <a:picLocks noChangeAspect="1"/>
+          </p:cNvPicPr>
+          <p:nvPr/>
+        </p:nvPicPr>
+        <p:blipFill>
+          <a:blip r:embed="rId2">
+            <a:extLst>
+              <a:ext uri="{28A0092B-C50C-407E-A947-70E740481C1C}">
+                <a14:useLocalDpi xmlns:a14="http://schemas.microsoft.com/office/drawing/2010/main" val="0"/>
+              </a:ext>
+            </a:extLst>
+          </a:blip>
+          <a:stretch>
+            <a:fillRect/>
+          </a:stretch>
+        </p:blipFill>
+        <p:spPr>
+          <a:xfrm>
+            <a:off x="2500176" y="2102501"/>
+            <a:ext cx="7191647" cy="4500068"/>
+          </a:xfrm>
+          <a:prstGeom prst="rect">
+            <a:avLst/>
+          </a:prstGeom>
+        </p:spPr>
+      </p:pic>
       <p:sp>
         <p:nvSpPr>
           <p:cNvPr id="4" name="TextBox 3">
             <a:extLst>
               <a:ext uri="{FF2B5EF4-FFF2-40B4-BE49-F238E27FC236}">
-                <a16:creationId xmlns:a16="http://schemas.microsoft.com/office/drawing/2014/main" id="{8CD3CB4D-C492-4C04-903F-0A21B9C89DB5}"/>
+                <a16:creationId xmlns:a16="http://schemas.microsoft.com/office/drawing/2014/main" xmlns="" id="{8CD3CB4D-C492-4C04-903F-0A21B9C89DB5}"/>
               </a:ext>
             </a:extLst>
           </p:cNvPr>
@@ -5437,7 +5502,7 @@
           <p:cNvPr id="6" name="직선 연결선 5">
             <a:extLst>
               <a:ext uri="{FF2B5EF4-FFF2-40B4-BE49-F238E27FC236}">
-                <a16:creationId xmlns:a16="http://schemas.microsoft.com/office/drawing/2014/main" id="{D69EC740-4310-4DC6-A821-F330CA42F051}"/>
+                <a16:creationId xmlns:a16="http://schemas.microsoft.com/office/drawing/2014/main" xmlns="" id="{D69EC740-4310-4DC6-A821-F330CA42F051}"/>
               </a:ext>
             </a:extLst>
           </p:cNvPr>
@@ -5473,565 +5538,10 @@
       </p:cxnSp>
       <p:sp>
         <p:nvSpPr>
-          <p:cNvPr id="8" name="부제목 2">
-            <a:extLst>
-              <a:ext uri="{FF2B5EF4-FFF2-40B4-BE49-F238E27FC236}">
-                <a16:creationId xmlns:a16="http://schemas.microsoft.com/office/drawing/2014/main" id="{D4CD665F-B43F-4A98-8787-4986B9FC31DB}"/>
-              </a:ext>
-            </a:extLst>
-          </p:cNvPr>
-          <p:cNvSpPr txBox="1">
-            <a:spLocks/>
-          </p:cNvSpPr>
-          <p:nvPr/>
-        </p:nvSpPr>
-        <p:spPr>
-          <a:xfrm>
-            <a:off x="712320" y="1543413"/>
-            <a:ext cx="9316750" cy="1103667"/>
-          </a:xfrm>
-          <a:prstGeom prst="rect">
-            <a:avLst/>
-          </a:prstGeom>
-        </p:spPr>
-        <p:txBody>
-          <a:bodyPr vert="horz" lIns="91440" tIns="45720" rIns="91440" bIns="45720" rtlCol="0">
-            <a:normAutofit/>
-          </a:bodyPr>
-          <a:lstStyle>
-            <a:lvl1pPr marL="0" indent="0" algn="ctr" defTabSz="914400" rtl="0" eaLnBrk="1" latinLnBrk="1" hangingPunct="1">
-              <a:lnSpc>
-                <a:spcPct val="90000"/>
-              </a:lnSpc>
-              <a:spcBef>
-                <a:spcPts val="1000"/>
-              </a:spcBef>
-              <a:buFont typeface="Arial" panose="020B0604020202020204" pitchFamily="34" charset="0"/>
-              <a:buNone/>
-              <a:defRPr sz="2400" kern="1200">
-                <a:solidFill>
-                  <a:schemeClr val="tx1"/>
-                </a:solidFill>
-                <a:latin typeface="+mn-lt"/>
-                <a:ea typeface="+mn-ea"/>
-                <a:cs typeface="+mn-cs"/>
-              </a:defRPr>
-            </a:lvl1pPr>
-            <a:lvl2pPr marL="457200" indent="0" algn="ctr" defTabSz="914400" rtl="0" eaLnBrk="1" latinLnBrk="1" hangingPunct="1">
-              <a:lnSpc>
-                <a:spcPct val="90000"/>
-              </a:lnSpc>
-              <a:spcBef>
-                <a:spcPts val="500"/>
-              </a:spcBef>
-              <a:buFont typeface="Arial" panose="020B0604020202020204" pitchFamily="34" charset="0"/>
-              <a:buNone/>
-              <a:defRPr sz="2000" kern="1200">
-                <a:solidFill>
-                  <a:schemeClr val="tx1"/>
-                </a:solidFill>
-                <a:latin typeface="+mn-lt"/>
-                <a:ea typeface="+mn-ea"/>
-                <a:cs typeface="+mn-cs"/>
-              </a:defRPr>
-            </a:lvl2pPr>
-            <a:lvl3pPr marL="914400" indent="0" algn="ctr" defTabSz="914400" rtl="0" eaLnBrk="1" latinLnBrk="1" hangingPunct="1">
-              <a:lnSpc>
-                <a:spcPct val="90000"/>
-              </a:lnSpc>
-              <a:spcBef>
-                <a:spcPts val="500"/>
-              </a:spcBef>
-              <a:buFont typeface="Arial" panose="020B0604020202020204" pitchFamily="34" charset="0"/>
-              <a:buNone/>
-              <a:defRPr sz="1800" kern="1200">
-                <a:solidFill>
-                  <a:schemeClr val="tx1"/>
-                </a:solidFill>
-                <a:latin typeface="+mn-lt"/>
-                <a:ea typeface="+mn-ea"/>
-                <a:cs typeface="+mn-cs"/>
-              </a:defRPr>
-            </a:lvl3pPr>
-            <a:lvl4pPr marL="1371600" indent="0" algn="ctr" defTabSz="914400" rtl="0" eaLnBrk="1" latinLnBrk="1" hangingPunct="1">
-              <a:lnSpc>
-                <a:spcPct val="90000"/>
-              </a:lnSpc>
-              <a:spcBef>
-                <a:spcPts val="500"/>
-              </a:spcBef>
-              <a:buFont typeface="Arial" panose="020B0604020202020204" pitchFamily="34" charset="0"/>
-              <a:buNone/>
-              <a:defRPr sz="1600" kern="1200">
-                <a:solidFill>
-                  <a:schemeClr val="tx1"/>
-                </a:solidFill>
-                <a:latin typeface="+mn-lt"/>
-                <a:ea typeface="+mn-ea"/>
-                <a:cs typeface="+mn-cs"/>
-              </a:defRPr>
-            </a:lvl4pPr>
-            <a:lvl5pPr marL="1828800" indent="0" algn="ctr" defTabSz="914400" rtl="0" eaLnBrk="1" latinLnBrk="1" hangingPunct="1">
-              <a:lnSpc>
-                <a:spcPct val="90000"/>
-              </a:lnSpc>
-              <a:spcBef>
-                <a:spcPts val="500"/>
-              </a:spcBef>
-              <a:buFont typeface="Arial" panose="020B0604020202020204" pitchFamily="34" charset="0"/>
-              <a:buNone/>
-              <a:defRPr sz="1600" kern="1200">
-                <a:solidFill>
-                  <a:schemeClr val="tx1"/>
-                </a:solidFill>
-                <a:latin typeface="+mn-lt"/>
-                <a:ea typeface="+mn-ea"/>
-                <a:cs typeface="+mn-cs"/>
-              </a:defRPr>
-            </a:lvl5pPr>
-            <a:lvl6pPr marL="2286000" indent="0" algn="ctr" defTabSz="914400" rtl="0" eaLnBrk="1" latinLnBrk="1" hangingPunct="1">
-              <a:lnSpc>
-                <a:spcPct val="90000"/>
-              </a:lnSpc>
-              <a:spcBef>
-                <a:spcPts val="500"/>
-              </a:spcBef>
-              <a:buFont typeface="Arial" panose="020B0604020202020204" pitchFamily="34" charset="0"/>
-              <a:buNone/>
-              <a:defRPr sz="1600" kern="1200">
-                <a:solidFill>
-                  <a:schemeClr val="tx1"/>
-                </a:solidFill>
-                <a:latin typeface="+mn-lt"/>
-                <a:ea typeface="+mn-ea"/>
-                <a:cs typeface="+mn-cs"/>
-              </a:defRPr>
-            </a:lvl6pPr>
-            <a:lvl7pPr marL="2743200" indent="0" algn="ctr" defTabSz="914400" rtl="0" eaLnBrk="1" latinLnBrk="1" hangingPunct="1">
-              <a:lnSpc>
-                <a:spcPct val="90000"/>
-              </a:lnSpc>
-              <a:spcBef>
-                <a:spcPts val="500"/>
-              </a:spcBef>
-              <a:buFont typeface="Arial" panose="020B0604020202020204" pitchFamily="34" charset="0"/>
-              <a:buNone/>
-              <a:defRPr sz="1600" kern="1200">
-                <a:solidFill>
-                  <a:schemeClr val="tx1"/>
-                </a:solidFill>
-                <a:latin typeface="+mn-lt"/>
-                <a:ea typeface="+mn-ea"/>
-                <a:cs typeface="+mn-cs"/>
-              </a:defRPr>
-            </a:lvl7pPr>
-            <a:lvl8pPr marL="3200400" indent="0" algn="ctr" defTabSz="914400" rtl="0" eaLnBrk="1" latinLnBrk="1" hangingPunct="1">
-              <a:lnSpc>
-                <a:spcPct val="90000"/>
-              </a:lnSpc>
-              <a:spcBef>
-                <a:spcPts val="500"/>
-              </a:spcBef>
-              <a:buFont typeface="Arial" panose="020B0604020202020204" pitchFamily="34" charset="0"/>
-              <a:buNone/>
-              <a:defRPr sz="1600" kern="1200">
-                <a:solidFill>
-                  <a:schemeClr val="tx1"/>
-                </a:solidFill>
-                <a:latin typeface="+mn-lt"/>
-                <a:ea typeface="+mn-ea"/>
-                <a:cs typeface="+mn-cs"/>
-              </a:defRPr>
-            </a:lvl8pPr>
-            <a:lvl9pPr marL="3657600" indent="0" algn="ctr" defTabSz="914400" rtl="0" eaLnBrk="1" latinLnBrk="1" hangingPunct="1">
-              <a:lnSpc>
-                <a:spcPct val="90000"/>
-              </a:lnSpc>
-              <a:spcBef>
-                <a:spcPts val="500"/>
-              </a:spcBef>
-              <a:buFont typeface="Arial" panose="020B0604020202020204" pitchFamily="34" charset="0"/>
-              <a:buNone/>
-              <a:defRPr sz="1600" kern="1200">
-                <a:solidFill>
-                  <a:schemeClr val="tx1"/>
-                </a:solidFill>
-                <a:latin typeface="+mn-lt"/>
-                <a:ea typeface="+mn-ea"/>
-                <a:cs typeface="+mn-cs"/>
-              </a:defRPr>
-            </a:lvl9pPr>
-          </a:lstStyle>
-          <a:p>
-            <a:pPr algn="l"/>
-            <a:r>
-              <a:rPr lang="ko-KR" altLang="en-US" b="1" dirty="0"/>
-              <a:t>② </a:t>
-            </a:r>
-            <a:r>
-              <a:rPr lang="en-US" altLang="ko-KR" b="1" dirty="0" err="1"/>
-              <a:t>Taglib</a:t>
-            </a:r>
-            <a:r>
-              <a:rPr lang="en-US" altLang="ko-KR" b="1" dirty="0"/>
-              <a:t> - </a:t>
-            </a:r>
-            <a:r>
-              <a:rPr lang="en-US" altLang="ko-KR" sz="2000" dirty="0"/>
-              <a:t>JSP</a:t>
-            </a:r>
-            <a:r>
-              <a:rPr lang="ko-KR" altLang="en-US" sz="2000" dirty="0"/>
-              <a:t>페이지에서 사용할 태그 라이브러리를 지정</a:t>
-            </a:r>
-            <a:endParaRPr lang="ko-KR" altLang="en-US" sz="2000" b="1" dirty="0"/>
-          </a:p>
-          <a:p>
-            <a:pPr algn="l"/>
-            <a:endParaRPr lang="ko-KR" altLang="en-US" b="1" dirty="0"/>
-          </a:p>
-          <a:p>
-            <a:endParaRPr lang="ko-KR" altLang="en-US" dirty="0"/>
-          </a:p>
-        </p:txBody>
-      </p:sp>
-      <p:pic>
-        <p:nvPicPr>
-          <p:cNvPr id="10" name="그림 9">
-            <a:extLst>
-              <a:ext uri="{FF2B5EF4-FFF2-40B4-BE49-F238E27FC236}">
-                <a16:creationId xmlns:a16="http://schemas.microsoft.com/office/drawing/2014/main" id="{7BD742D1-DEAB-488E-8736-3014BA66A0F3}"/>
-              </a:ext>
-            </a:extLst>
-          </p:cNvPr>
-          <p:cNvPicPr>
-            <a:picLocks noChangeAspect="1"/>
-          </p:cNvPicPr>
-          <p:nvPr/>
-        </p:nvPicPr>
-        <p:blipFill>
-          <a:blip r:embed="rId2">
-            <a:extLst>
-              <a:ext uri="{28A0092B-C50C-407E-A947-70E740481C1C}">
-                <a14:useLocalDpi xmlns:a14="http://schemas.microsoft.com/office/drawing/2010/main" val="0"/>
-              </a:ext>
-            </a:extLst>
-          </a:blip>
-          <a:stretch>
-            <a:fillRect/>
-          </a:stretch>
-        </p:blipFill>
-        <p:spPr>
-          <a:xfrm>
-            <a:off x="1291983" y="2266622"/>
-            <a:ext cx="9316750" cy="381053"/>
-          </a:xfrm>
-          <a:prstGeom prst="rect">
-            <a:avLst/>
-          </a:prstGeom>
-        </p:spPr>
-      </p:pic>
-      <p:sp>
-        <p:nvSpPr>
-          <p:cNvPr id="15" name="TextBox 14">
-            <a:extLst>
-              <a:ext uri="{FF2B5EF4-FFF2-40B4-BE49-F238E27FC236}">
-                <a16:creationId xmlns:a16="http://schemas.microsoft.com/office/drawing/2014/main" id="{7DBE7033-4277-464B-B685-EC8B03FD57FA}"/>
-              </a:ext>
-            </a:extLst>
-          </p:cNvPr>
-          <p:cNvSpPr txBox="1"/>
-          <p:nvPr/>
-        </p:nvSpPr>
-        <p:spPr>
-          <a:xfrm>
-            <a:off x="1291983" y="2755492"/>
-            <a:ext cx="7199588" cy="1015663"/>
-          </a:xfrm>
-          <a:prstGeom prst="rect">
-            <a:avLst/>
-          </a:prstGeom>
-          <a:noFill/>
-        </p:spPr>
-        <p:txBody>
-          <a:bodyPr wrap="square" rtlCol="0">
-            <a:spAutoFit/>
-          </a:bodyPr>
-          <a:lstStyle/>
-          <a:p>
-            <a:r>
-              <a:rPr lang="en-US" altLang="ko-KR" sz="2000" b="1" dirty="0">
-                <a:solidFill>
-                  <a:schemeClr val="accent6">
-                    <a:lumMod val="60000"/>
-                    <a:lumOff val="40000"/>
-                  </a:schemeClr>
-                </a:solidFill>
-              </a:rPr>
-              <a:t>prefix</a:t>
-            </a:r>
-            <a:r>
-              <a:rPr lang="en-US" altLang="ko-KR" sz="2000" dirty="0"/>
-              <a:t> : tag</a:t>
-            </a:r>
-            <a:r>
-              <a:rPr lang="ko-KR" altLang="en-US" sz="2000" dirty="0"/>
-              <a:t>를 </a:t>
-            </a:r>
-            <a:r>
-              <a:rPr lang="ko-KR" altLang="en-US" sz="2000" dirty="0" err="1"/>
-              <a:t>가르키는</a:t>
-            </a:r>
-            <a:r>
-              <a:rPr lang="ko-KR" altLang="en-US" sz="2000" dirty="0"/>
-              <a:t> 이름 값</a:t>
-            </a:r>
-            <a:r>
-              <a:rPr lang="en-US" altLang="ko-KR" sz="2000" dirty="0"/>
-              <a:t>  </a:t>
-            </a:r>
-            <a:r>
-              <a:rPr lang="en-US" altLang="ko-KR" sz="2000" b="1" dirty="0" err="1">
-                <a:solidFill>
-                  <a:schemeClr val="accent6">
-                    <a:lumMod val="60000"/>
-                    <a:lumOff val="40000"/>
-                  </a:schemeClr>
-                </a:solidFill>
-              </a:rPr>
-              <a:t>uri</a:t>
-            </a:r>
-            <a:r>
-              <a:rPr lang="en-US" altLang="ko-KR" sz="2000" dirty="0"/>
-              <a:t> : </a:t>
-            </a:r>
-            <a:r>
-              <a:rPr lang="en-US" altLang="ko-KR" sz="2000" dirty="0" err="1"/>
-              <a:t>taglib</a:t>
-            </a:r>
-            <a:r>
-              <a:rPr lang="ko-KR" altLang="en-US" sz="2000" dirty="0"/>
-              <a:t>의 위치 값</a:t>
-            </a:r>
-            <a:endParaRPr lang="en-US" altLang="ko-KR" sz="2000" dirty="0"/>
-          </a:p>
-          <a:p>
-            <a:endParaRPr lang="en-US" altLang="ko-KR" sz="2000" dirty="0"/>
-          </a:p>
-          <a:p>
-            <a:r>
-              <a:rPr lang="en-US" altLang="ko-KR" sz="2000" b="1" dirty="0"/>
-              <a:t>ex)</a:t>
-            </a:r>
-            <a:endParaRPr lang="ko-KR" altLang="en-US" sz="2000" b="1" dirty="0"/>
-          </a:p>
-        </p:txBody>
-      </p:sp>
-      <p:pic>
-        <p:nvPicPr>
-          <p:cNvPr id="17" name="그림 16">
-            <a:extLst>
-              <a:ext uri="{FF2B5EF4-FFF2-40B4-BE49-F238E27FC236}">
-                <a16:creationId xmlns:a16="http://schemas.microsoft.com/office/drawing/2014/main" id="{2EE1AEF9-0802-4E55-92F9-B72DFC4693E1}"/>
-              </a:ext>
-            </a:extLst>
-          </p:cNvPr>
-          <p:cNvPicPr>
-            <a:picLocks noChangeAspect="1"/>
-          </p:cNvPicPr>
-          <p:nvPr/>
-        </p:nvPicPr>
-        <p:blipFill>
-          <a:blip r:embed="rId3">
-            <a:extLst>
-              <a:ext uri="{28A0092B-C50C-407E-A947-70E740481C1C}">
-                <a14:useLocalDpi xmlns:a14="http://schemas.microsoft.com/office/drawing/2010/main" val="0"/>
-              </a:ext>
-            </a:extLst>
-          </a:blip>
-          <a:stretch>
-            <a:fillRect/>
-          </a:stretch>
-        </p:blipFill>
-        <p:spPr>
-          <a:xfrm>
-            <a:off x="1912314" y="3685947"/>
-            <a:ext cx="5958925" cy="2503685"/>
-          </a:xfrm>
-          <a:prstGeom prst="rect">
-            <a:avLst/>
-          </a:prstGeom>
-        </p:spPr>
-      </p:pic>
-    </p:spTree>
-    <p:extLst>
-      <p:ext uri="{BB962C8B-B14F-4D97-AF65-F5344CB8AC3E}">
-        <p14:creationId xmlns:p14="http://schemas.microsoft.com/office/powerpoint/2010/main" val="4150094440"/>
-      </p:ext>
-    </p:extLst>
-  </p:cSld>
-  <p:clrMapOvr>
-    <a:masterClrMapping/>
-  </p:clrMapOvr>
-</p:sld>
-</file>
-
-<file path=ppt/slides/slide6.xml><?xml version="1.0" encoding="utf-8"?>
-<p:sld xmlns:a="http://schemas.openxmlformats.org/drawingml/2006/main" xmlns:r="http://schemas.openxmlformats.org/officeDocument/2006/relationships" xmlns:p="http://schemas.openxmlformats.org/presentationml/2006/main">
-  <p:cSld>
-    <p:spTree>
-      <p:nvGrpSpPr>
-        <p:cNvPr id="1" name=""/>
-        <p:cNvGrpSpPr/>
-        <p:nvPr/>
-      </p:nvGrpSpPr>
-      <p:grpSpPr>
-        <a:xfrm>
-          <a:off x="0" y="0"/>
-          <a:ext cx="0" cy="0"/>
-          <a:chOff x="0" y="0"/>
-          <a:chExt cx="0" cy="0"/>
-        </a:xfrm>
-      </p:grpSpPr>
-      <p:pic>
-        <p:nvPicPr>
-          <p:cNvPr id="18" name="그림 17">
-            <a:extLst>
-              <a:ext uri="{FF2B5EF4-FFF2-40B4-BE49-F238E27FC236}">
-                <a16:creationId xmlns:a16="http://schemas.microsoft.com/office/drawing/2014/main" id="{0D585EAB-C877-44FB-A7F8-B4D9F9FA8131}"/>
-              </a:ext>
-            </a:extLst>
-          </p:cNvPr>
-          <p:cNvPicPr>
-            <a:picLocks noChangeAspect="1"/>
-          </p:cNvPicPr>
-          <p:nvPr/>
-        </p:nvPicPr>
-        <p:blipFill>
-          <a:blip r:embed="rId2">
-            <a:extLst>
-              <a:ext uri="{28A0092B-C50C-407E-A947-70E740481C1C}">
-                <a14:useLocalDpi xmlns:a14="http://schemas.microsoft.com/office/drawing/2010/main" val="0"/>
-              </a:ext>
-            </a:extLst>
-          </a:blip>
-          <a:stretch>
-            <a:fillRect/>
-          </a:stretch>
-        </p:blipFill>
-        <p:spPr>
-          <a:xfrm>
-            <a:off x="2500176" y="2102501"/>
-            <a:ext cx="7191647" cy="4500068"/>
-          </a:xfrm>
-          <a:prstGeom prst="rect">
-            <a:avLst/>
-          </a:prstGeom>
-        </p:spPr>
-      </p:pic>
-      <p:sp>
-        <p:nvSpPr>
-          <p:cNvPr id="4" name="TextBox 3">
-            <a:extLst>
-              <a:ext uri="{FF2B5EF4-FFF2-40B4-BE49-F238E27FC236}">
-                <a16:creationId xmlns:a16="http://schemas.microsoft.com/office/drawing/2014/main" id="{8CD3CB4D-C492-4C04-903F-0A21B9C89DB5}"/>
-              </a:ext>
-            </a:extLst>
-          </p:cNvPr>
-          <p:cNvSpPr txBox="1"/>
-          <p:nvPr/>
-        </p:nvSpPr>
-        <p:spPr>
-          <a:xfrm>
-            <a:off x="353681" y="231657"/>
-            <a:ext cx="10255052" cy="769441"/>
-          </a:xfrm>
-          <a:prstGeom prst="rect">
-            <a:avLst/>
-          </a:prstGeom>
-          <a:noFill/>
-        </p:spPr>
-        <p:txBody>
-          <a:bodyPr wrap="square" rtlCol="0">
-            <a:spAutoFit/>
-          </a:bodyPr>
-          <a:lstStyle/>
-          <a:p>
-            <a:pPr marL="514350" indent="-514350">
-              <a:buAutoNum type="arabicPeriod"/>
-            </a:pPr>
-            <a:r>
-              <a:rPr lang="en-US" altLang="ko-KR" sz="4400" b="1" dirty="0"/>
-              <a:t>1 </a:t>
-            </a:r>
-            <a:r>
-              <a:rPr lang="en-US" altLang="ko-KR" sz="3200" b="1" dirty="0"/>
-              <a:t>JSP</a:t>
-            </a:r>
-            <a:r>
-              <a:rPr lang="ko-KR" altLang="en-US" sz="3200" b="1" dirty="0"/>
-              <a:t>가 제공하는 </a:t>
-            </a:r>
-            <a:r>
-              <a:rPr lang="en-US" altLang="ko-KR" sz="3200" b="1" dirty="0"/>
-              <a:t>Directive 3</a:t>
-            </a:r>
-            <a:r>
-              <a:rPr lang="ko-KR" altLang="en-US" sz="3200" b="1" dirty="0"/>
-              <a:t>가지</a:t>
-            </a:r>
-            <a:r>
-              <a:rPr lang="en-US" altLang="ko-KR" sz="3200" b="1" dirty="0"/>
-              <a:t> </a:t>
-            </a:r>
-          </a:p>
-        </p:txBody>
-      </p:sp>
-      <p:cxnSp>
-        <p:nvCxnSpPr>
-          <p:cNvPr id="6" name="직선 연결선 5">
-            <a:extLst>
-              <a:ext uri="{FF2B5EF4-FFF2-40B4-BE49-F238E27FC236}">
-                <a16:creationId xmlns:a16="http://schemas.microsoft.com/office/drawing/2014/main" id="{D69EC740-4310-4DC6-A821-F330CA42F051}"/>
-              </a:ext>
-            </a:extLst>
-          </p:cNvPr>
-          <p:cNvCxnSpPr>
-            <a:cxnSpLocks/>
-          </p:cNvCxnSpPr>
-          <p:nvPr/>
-        </p:nvCxnSpPr>
-        <p:spPr>
-          <a:xfrm>
-            <a:off x="0" y="1142546"/>
-            <a:ext cx="12192000" cy="0"/>
-          </a:xfrm>
-          <a:prstGeom prst="line">
-            <a:avLst/>
-          </a:prstGeom>
-          <a:ln w="76200"/>
-        </p:spPr>
-        <p:style>
-          <a:lnRef idx="1">
-            <a:schemeClr val="dk1"/>
-          </a:lnRef>
-          <a:fillRef idx="0">
-            <a:schemeClr val="dk1"/>
-          </a:fillRef>
-          <a:effectRef idx="0">
-            <a:schemeClr val="dk1"/>
-          </a:effectRef>
-          <a:fontRef idx="minor">
-            <a:schemeClr val="tx1"/>
-          </a:fontRef>
-        </p:style>
-      </p:cxnSp>
-      <p:sp>
-        <p:nvSpPr>
           <p:cNvPr id="2" name="직사각형 1">
             <a:extLst>
               <a:ext uri="{FF2B5EF4-FFF2-40B4-BE49-F238E27FC236}">
-                <a16:creationId xmlns:a16="http://schemas.microsoft.com/office/drawing/2014/main" id="{860305AB-C378-4964-9C0F-09299B009F27}"/>
+                <a16:creationId xmlns:a16="http://schemas.microsoft.com/office/drawing/2014/main" xmlns="" id="{860305AB-C378-4964-9C0F-09299B009F27}"/>
               </a:ext>
             </a:extLst>
           </p:cNvPr>
@@ -6083,7 +5593,7 @@
           <p:cNvPr id="7" name="직사각형 6">
             <a:extLst>
               <a:ext uri="{FF2B5EF4-FFF2-40B4-BE49-F238E27FC236}">
-                <a16:creationId xmlns:a16="http://schemas.microsoft.com/office/drawing/2014/main" id="{D9DE9B6B-9ADD-42B6-9038-D68A7207CD6E}"/>
+                <a16:creationId xmlns:a16="http://schemas.microsoft.com/office/drawing/2014/main" xmlns="" id="{D9DE9B6B-9ADD-42B6-9038-D68A7207CD6E}"/>
               </a:ext>
             </a:extLst>
           </p:cNvPr>
@@ -6135,7 +5645,7 @@
           <p:cNvPr id="12" name="연결선: 꺾임 11">
             <a:extLst>
               <a:ext uri="{FF2B5EF4-FFF2-40B4-BE49-F238E27FC236}">
-                <a16:creationId xmlns:a16="http://schemas.microsoft.com/office/drawing/2014/main" id="{21E0BD9E-889D-457B-B688-DB736ACC00CB}"/>
+                <a16:creationId xmlns:a16="http://schemas.microsoft.com/office/drawing/2014/main" xmlns="" id="{21E0BD9E-889D-457B-B688-DB736ACC00CB}"/>
               </a:ext>
             </a:extLst>
           </p:cNvPr>
@@ -6181,7 +5691,7 @@
           <p:cNvPr id="31" name="부제목 2">
             <a:extLst>
               <a:ext uri="{FF2B5EF4-FFF2-40B4-BE49-F238E27FC236}">
-                <a16:creationId xmlns:a16="http://schemas.microsoft.com/office/drawing/2014/main" id="{82C1C0B8-89E1-46BC-9209-08A6B0114F42}"/>
+                <a16:creationId xmlns:a16="http://schemas.microsoft.com/office/drawing/2014/main" xmlns="" id="{82C1C0B8-89E1-46BC-9209-08A6B0114F42}"/>
               </a:ext>
             </a:extLst>
           </p:cNvPr>
@@ -6396,7 +5906,7 @@
           <p:cNvPr id="34" name="그림 33">
             <a:extLst>
               <a:ext uri="{FF2B5EF4-FFF2-40B4-BE49-F238E27FC236}">
-                <a16:creationId xmlns:a16="http://schemas.microsoft.com/office/drawing/2014/main" id="{B9D225C3-02BA-4587-BA60-D2BFE010B008}"/>
+                <a16:creationId xmlns:a16="http://schemas.microsoft.com/office/drawing/2014/main" xmlns="" id="{B9D225C3-02BA-4587-BA60-D2BFE010B008}"/>
               </a:ext>
             </a:extLst>
           </p:cNvPr>
@@ -6636,7 +6146,7 @@
 </p:sld>
 </file>
 
-<file path=ppt/slides/slide7.xml><?xml version="1.0" encoding="utf-8"?>
+<file path=ppt/slides/slide6.xml><?xml version="1.0" encoding="utf-8"?>
 <p:sld xmlns:a="http://schemas.openxmlformats.org/drawingml/2006/main" xmlns:r="http://schemas.openxmlformats.org/officeDocument/2006/relationships" xmlns:p="http://schemas.openxmlformats.org/presentationml/2006/main">
   <p:cSld>
     <p:spTree>
@@ -6658,7 +6168,7 @@
           <p:cNvPr id="4" name="TextBox 3">
             <a:extLst>
               <a:ext uri="{FF2B5EF4-FFF2-40B4-BE49-F238E27FC236}">
-                <a16:creationId xmlns:a16="http://schemas.microsoft.com/office/drawing/2014/main" id="{8CD3CB4D-C492-4C04-903F-0A21B9C89DB5}"/>
+                <a16:creationId xmlns:a16="http://schemas.microsoft.com/office/drawing/2014/main" xmlns="" id="{8CD3CB4D-C492-4C04-903F-0A21B9C89DB5}"/>
               </a:ext>
             </a:extLst>
           </p:cNvPr>
@@ -6668,7 +6178,7 @@
         <p:spPr>
           <a:xfrm>
             <a:off x="353681" y="231657"/>
-            <a:ext cx="4887185" cy="769441"/>
+            <a:ext cx="10255052" cy="769441"/>
           </a:xfrm>
           <a:prstGeom prst="rect">
             <a:avLst/>
@@ -6681,21 +6191,32 @@
           </a:bodyPr>
           <a:lstStyle/>
           <a:p>
+            <a:pPr marL="514350" indent="-514350">
+              <a:buAutoNum type="arabicPeriod"/>
+            </a:pPr>
             <a:r>
               <a:rPr lang="en-US" altLang="ko-KR" sz="4400" b="1" dirty="0"/>
-              <a:t>2. </a:t>
-            </a:r>
-            <a:r>
-              <a:rPr lang="en-US" altLang="ko-KR" sz="4400" b="1" dirty="0" err="1"/>
-              <a:t>Scriptlet</a:t>
-            </a:r>
-            <a:r>
-              <a:rPr lang="ko-KR" altLang="en-US" sz="4400" b="1" dirty="0"/>
+              <a:t>1 </a:t>
+            </a:r>
+            <a:r>
+              <a:rPr lang="en-US" altLang="ko-KR" sz="3200" b="1" dirty="0"/>
+              <a:t>JSP</a:t>
+            </a:r>
+            <a:r>
+              <a:rPr lang="ko-KR" altLang="en-US" sz="3200" b="1" dirty="0"/>
+              <a:t>가 제공하는 </a:t>
+            </a:r>
+            <a:r>
+              <a:rPr lang="en-US" altLang="ko-KR" sz="3200" b="1" dirty="0"/>
+              <a:t>Directive 3</a:t>
+            </a:r>
+            <a:r>
+              <a:rPr lang="ko-KR" altLang="en-US" sz="3200" b="1" dirty="0"/>
+              <a:t>가지</a:t>
+            </a:r>
+            <a:r>
+              <a:rPr lang="en-US" altLang="ko-KR" sz="3200" b="1" dirty="0"/>
               <a:t> </a:t>
-            </a:r>
-            <a:r>
-              <a:rPr lang="en-US" altLang="ko-KR" sz="4400" b="1" dirty="0"/>
-              <a:t>‘%’</a:t>
             </a:r>
           </a:p>
         </p:txBody>
@@ -6705,7 +6226,7 @@
           <p:cNvPr id="6" name="직선 연결선 5">
             <a:extLst>
               <a:ext uri="{FF2B5EF4-FFF2-40B4-BE49-F238E27FC236}">
-                <a16:creationId xmlns:a16="http://schemas.microsoft.com/office/drawing/2014/main" id="{D69EC740-4310-4DC6-A821-F330CA42F051}"/>
+                <a16:creationId xmlns:a16="http://schemas.microsoft.com/office/drawing/2014/main" xmlns="" id="{D69EC740-4310-4DC6-A821-F330CA42F051}"/>
               </a:ext>
             </a:extLst>
           </p:cNvPr>
@@ -6741,97 +6262,10 @@
       </p:cxnSp>
       <p:sp>
         <p:nvSpPr>
-          <p:cNvPr id="12" name="내용 개체 틀 11">
-            <a:extLst>
-              <a:ext uri="{FF2B5EF4-FFF2-40B4-BE49-F238E27FC236}">
-                <a16:creationId xmlns:a16="http://schemas.microsoft.com/office/drawing/2014/main" id="{9E2DC5F8-6E94-4673-AF01-A6BE64595FC6}"/>
-              </a:ext>
-            </a:extLst>
-          </p:cNvPr>
-          <p:cNvSpPr>
-            <a:spLocks noGrp="1"/>
-          </p:cNvSpPr>
-          <p:nvPr>
-            <p:ph idx="1"/>
-          </p:nvPr>
-        </p:nvSpPr>
-        <p:spPr>
-          <a:xfrm>
-            <a:off x="927097" y="2209711"/>
-            <a:ext cx="4931836" cy="2438577"/>
-          </a:xfrm>
-        </p:spPr>
-        <p:txBody>
-          <a:bodyPr>
-            <a:normAutofit/>
-          </a:bodyPr>
-          <a:lstStyle/>
-          <a:p>
-            <a:pPr marL="0" indent="0">
-              <a:lnSpc>
-                <a:spcPct val="150000"/>
-              </a:lnSpc>
-              <a:buNone/>
-            </a:pPr>
-            <a:r>
-              <a:rPr lang="en-US" altLang="ko-KR" sz="3600" b="1" dirty="0" err="1"/>
-              <a:t>Scriptlet</a:t>
-            </a:r>
-            <a:endParaRPr lang="en-US" altLang="ko-KR" sz="3600" b="0" i="0" dirty="0">
-              <a:solidFill>
-                <a:srgbClr val="5F5F5F"/>
-              </a:solidFill>
-              <a:effectLst/>
-              <a:latin typeface="나눔고딕코딩"/>
-            </a:endParaRPr>
-          </a:p>
-          <a:p>
-            <a:pPr marL="0" indent="0">
-              <a:lnSpc>
-                <a:spcPct val="150000"/>
-              </a:lnSpc>
-              <a:buNone/>
-            </a:pPr>
-            <a:r>
-              <a:rPr lang="en-US" altLang="ko-KR" sz="2400" b="0" i="0" dirty="0">
-                <a:solidFill>
-                  <a:srgbClr val="5F5F5F"/>
-                </a:solidFill>
-                <a:effectLst/>
-                <a:latin typeface="나눔고딕코딩"/>
-              </a:rPr>
-              <a:t>JSP</a:t>
-            </a:r>
-            <a:r>
-              <a:rPr lang="ko-KR" altLang="en-US" sz="2400" b="0" i="0" dirty="0">
-                <a:solidFill>
-                  <a:srgbClr val="5F5F5F"/>
-                </a:solidFill>
-                <a:effectLst/>
-                <a:latin typeface="나눔고딕코딩"/>
-              </a:rPr>
-              <a:t>에서 일반적으로 많이 사용</a:t>
-            </a:r>
-            <a:endParaRPr lang="en-US" altLang="ko-KR" sz="2400" b="1" dirty="0">
-              <a:solidFill>
-                <a:srgbClr val="FFC000"/>
-              </a:solidFill>
-            </a:endParaRPr>
-          </a:p>
-          <a:p>
-            <a:pPr marL="0" indent="0">
-              <a:buNone/>
-            </a:pPr>
-            <a:endParaRPr lang="ko-KR" altLang="en-US" dirty="0"/>
-          </a:p>
-        </p:txBody>
-      </p:sp>
-      <p:sp>
-        <p:nvSpPr>
-          <p:cNvPr id="5" name="내용 개체 틀 11">
-            <a:extLst>
-              <a:ext uri="{FF2B5EF4-FFF2-40B4-BE49-F238E27FC236}">
-                <a16:creationId xmlns:a16="http://schemas.microsoft.com/office/drawing/2014/main" id="{8F25ACBD-A8AF-403F-B87C-E3D8865228B7}"/>
+          <p:cNvPr id="8" name="부제목 2">
+            <a:extLst>
+              <a:ext uri="{FF2B5EF4-FFF2-40B4-BE49-F238E27FC236}">
+                <a16:creationId xmlns:a16="http://schemas.microsoft.com/office/drawing/2014/main" xmlns="" id="{D4CD665F-B43F-4A98-8787-4986B9FC31DB}"/>
               </a:ext>
             </a:extLst>
           </p:cNvPr>
@@ -6842,8 +6276,8 @@
         </p:nvSpPr>
         <p:spPr>
           <a:xfrm>
-            <a:off x="5719232" y="1364116"/>
-            <a:ext cx="6409267" cy="4351338"/>
+            <a:off x="712320" y="1543413"/>
+            <a:ext cx="9316750" cy="1103667"/>
           </a:xfrm>
           <a:prstGeom prst="rect">
             <a:avLst/>
@@ -6854,7 +6288,7 @@
             <a:normAutofit/>
           </a:bodyPr>
           <a:lstStyle>
-            <a:lvl1pPr marL="228600" indent="-228600" algn="l" defTabSz="914400" rtl="0" eaLnBrk="1" latinLnBrk="1" hangingPunct="1">
+            <a:lvl1pPr marL="0" indent="0" algn="ctr" defTabSz="914400" rtl="0" eaLnBrk="1" latinLnBrk="1" hangingPunct="1">
               <a:lnSpc>
                 <a:spcPct val="90000"/>
               </a:lnSpc>
@@ -6862,8 +6296,8 @@
                 <a:spcPts val="1000"/>
               </a:spcBef>
               <a:buFont typeface="Arial" panose="020B0604020202020204" pitchFamily="34" charset="0"/>
-              <a:buChar char="•"/>
-              <a:defRPr sz="2800" kern="1200">
+              <a:buNone/>
+              <a:defRPr sz="2400" kern="1200">
                 <a:solidFill>
                   <a:schemeClr val="tx1"/>
                 </a:solidFill>
@@ -6872,7 +6306,7 @@
                 <a:cs typeface="+mn-cs"/>
               </a:defRPr>
             </a:lvl1pPr>
-            <a:lvl2pPr marL="685800" indent="-228600" algn="l" defTabSz="914400" rtl="0" eaLnBrk="1" latinLnBrk="1" hangingPunct="1">
+            <a:lvl2pPr marL="457200" indent="0" algn="ctr" defTabSz="914400" rtl="0" eaLnBrk="1" latinLnBrk="1" hangingPunct="1">
               <a:lnSpc>
                 <a:spcPct val="90000"/>
               </a:lnSpc>
@@ -6880,8 +6314,8 @@
                 <a:spcPts val="500"/>
               </a:spcBef>
               <a:buFont typeface="Arial" panose="020B0604020202020204" pitchFamily="34" charset="0"/>
-              <a:buChar char="•"/>
-              <a:defRPr sz="2400" kern="1200">
+              <a:buNone/>
+              <a:defRPr sz="2000" kern="1200">
                 <a:solidFill>
                   <a:schemeClr val="tx1"/>
                 </a:solidFill>
@@ -6890,7 +6324,7 @@
                 <a:cs typeface="+mn-cs"/>
               </a:defRPr>
             </a:lvl2pPr>
-            <a:lvl3pPr marL="1143000" indent="-228600" algn="l" defTabSz="914400" rtl="0" eaLnBrk="1" latinLnBrk="1" hangingPunct="1">
+            <a:lvl3pPr marL="914400" indent="0" algn="ctr" defTabSz="914400" rtl="0" eaLnBrk="1" latinLnBrk="1" hangingPunct="1">
               <a:lnSpc>
                 <a:spcPct val="90000"/>
               </a:lnSpc>
@@ -6898,8 +6332,8 @@
                 <a:spcPts val="500"/>
               </a:spcBef>
               <a:buFont typeface="Arial" panose="020B0604020202020204" pitchFamily="34" charset="0"/>
-              <a:buChar char="•"/>
-              <a:defRPr sz="2000" kern="1200">
+              <a:buNone/>
+              <a:defRPr sz="1800" kern="1200">
                 <a:solidFill>
                   <a:schemeClr val="tx1"/>
                 </a:solidFill>
@@ -6908,7 +6342,7 @@
                 <a:cs typeface="+mn-cs"/>
               </a:defRPr>
             </a:lvl3pPr>
-            <a:lvl4pPr marL="1600200" indent="-228600" algn="l" defTabSz="914400" rtl="0" eaLnBrk="1" latinLnBrk="1" hangingPunct="1">
+            <a:lvl4pPr marL="1371600" indent="0" algn="ctr" defTabSz="914400" rtl="0" eaLnBrk="1" latinLnBrk="1" hangingPunct="1">
               <a:lnSpc>
                 <a:spcPct val="90000"/>
               </a:lnSpc>
@@ -6916,8 +6350,8 @@
                 <a:spcPts val="500"/>
               </a:spcBef>
               <a:buFont typeface="Arial" panose="020B0604020202020204" pitchFamily="34" charset="0"/>
-              <a:buChar char="•"/>
-              <a:defRPr sz="1800" kern="1200">
+              <a:buNone/>
+              <a:defRPr sz="1600" kern="1200">
                 <a:solidFill>
                   <a:schemeClr val="tx1"/>
                 </a:solidFill>
@@ -6926,7 +6360,7 @@
                 <a:cs typeface="+mn-cs"/>
               </a:defRPr>
             </a:lvl4pPr>
-            <a:lvl5pPr marL="2057400" indent="-228600" algn="l" defTabSz="914400" rtl="0" eaLnBrk="1" latinLnBrk="1" hangingPunct="1">
+            <a:lvl5pPr marL="1828800" indent="0" algn="ctr" defTabSz="914400" rtl="0" eaLnBrk="1" latinLnBrk="1" hangingPunct="1">
               <a:lnSpc>
                 <a:spcPct val="90000"/>
               </a:lnSpc>
@@ -6934,8 +6368,8 @@
                 <a:spcPts val="500"/>
               </a:spcBef>
               <a:buFont typeface="Arial" panose="020B0604020202020204" pitchFamily="34" charset="0"/>
-              <a:buChar char="•"/>
-              <a:defRPr sz="1800" kern="1200">
+              <a:buNone/>
+              <a:defRPr sz="1600" kern="1200">
                 <a:solidFill>
                   <a:schemeClr val="tx1"/>
                 </a:solidFill>
@@ -6944,7 +6378,7 @@
                 <a:cs typeface="+mn-cs"/>
               </a:defRPr>
             </a:lvl5pPr>
-            <a:lvl6pPr marL="2514600" indent="-228600" algn="l" defTabSz="914400" rtl="0" eaLnBrk="1" latinLnBrk="1" hangingPunct="1">
+            <a:lvl6pPr marL="2286000" indent="0" algn="ctr" defTabSz="914400" rtl="0" eaLnBrk="1" latinLnBrk="1" hangingPunct="1">
               <a:lnSpc>
                 <a:spcPct val="90000"/>
               </a:lnSpc>
@@ -6952,8 +6386,8 @@
                 <a:spcPts val="500"/>
               </a:spcBef>
               <a:buFont typeface="Arial" panose="020B0604020202020204" pitchFamily="34" charset="0"/>
-              <a:buChar char="•"/>
-              <a:defRPr sz="1800" kern="1200">
+              <a:buNone/>
+              <a:defRPr sz="1600" kern="1200">
                 <a:solidFill>
                   <a:schemeClr val="tx1"/>
                 </a:solidFill>
@@ -6962,7 +6396,7 @@
                 <a:cs typeface="+mn-cs"/>
               </a:defRPr>
             </a:lvl6pPr>
-            <a:lvl7pPr marL="2971800" indent="-228600" algn="l" defTabSz="914400" rtl="0" eaLnBrk="1" latinLnBrk="1" hangingPunct="1">
+            <a:lvl7pPr marL="2743200" indent="0" algn="ctr" defTabSz="914400" rtl="0" eaLnBrk="1" latinLnBrk="1" hangingPunct="1">
               <a:lnSpc>
                 <a:spcPct val="90000"/>
               </a:lnSpc>
@@ -6970,8 +6404,8 @@
                 <a:spcPts val="500"/>
               </a:spcBef>
               <a:buFont typeface="Arial" panose="020B0604020202020204" pitchFamily="34" charset="0"/>
-              <a:buChar char="•"/>
-              <a:defRPr sz="1800" kern="1200">
+              <a:buNone/>
+              <a:defRPr sz="1600" kern="1200">
                 <a:solidFill>
                   <a:schemeClr val="tx1"/>
                 </a:solidFill>
@@ -6980,7 +6414,7 @@
                 <a:cs typeface="+mn-cs"/>
               </a:defRPr>
             </a:lvl7pPr>
-            <a:lvl8pPr marL="3429000" indent="-228600" algn="l" defTabSz="914400" rtl="0" eaLnBrk="1" latinLnBrk="1" hangingPunct="1">
+            <a:lvl8pPr marL="3200400" indent="0" algn="ctr" defTabSz="914400" rtl="0" eaLnBrk="1" latinLnBrk="1" hangingPunct="1">
               <a:lnSpc>
                 <a:spcPct val="90000"/>
               </a:lnSpc>
@@ -6988,8 +6422,8 @@
                 <a:spcPts val="500"/>
               </a:spcBef>
               <a:buFont typeface="Arial" panose="020B0604020202020204" pitchFamily="34" charset="0"/>
-              <a:buChar char="•"/>
-              <a:defRPr sz="1800" kern="1200">
+              <a:buNone/>
+              <a:defRPr sz="1600" kern="1200">
                 <a:solidFill>
                   <a:schemeClr val="tx1"/>
                 </a:solidFill>
@@ -6998,7 +6432,7 @@
                 <a:cs typeface="+mn-cs"/>
               </a:defRPr>
             </a:lvl8pPr>
-            <a:lvl9pPr marL="3886200" indent="-228600" algn="l" defTabSz="914400" rtl="0" eaLnBrk="1" latinLnBrk="1" hangingPunct="1">
+            <a:lvl9pPr marL="3657600" indent="0" algn="ctr" defTabSz="914400" rtl="0" eaLnBrk="1" latinLnBrk="1" hangingPunct="1">
               <a:lnSpc>
                 <a:spcPct val="90000"/>
               </a:lnSpc>
@@ -7006,8 +6440,8 @@
                 <a:spcPts val="500"/>
               </a:spcBef>
               <a:buFont typeface="Arial" panose="020B0604020202020204" pitchFamily="34" charset="0"/>
-              <a:buChar char="•"/>
-              <a:defRPr sz="1800" kern="1200">
+              <a:buNone/>
+              <a:defRPr sz="1600" kern="1200">
                 <a:solidFill>
                   <a:schemeClr val="tx1"/>
                 </a:solidFill>
@@ -7018,203 +6452,227 @@
             </a:lvl9pPr>
           </a:lstStyle>
           <a:p>
-            <a:pPr marL="0" indent="0">
-              <a:buFont typeface="Arial" panose="020B0604020202020204" pitchFamily="34" charset="0"/>
-              <a:buNone/>
-            </a:pPr>
-            <a:endParaRPr lang="en-US" altLang="ko-KR" b="1" dirty="0"/>
-          </a:p>
-          <a:p>
-            <a:pPr marL="0" indent="0">
-              <a:buFont typeface="Arial" panose="020B0604020202020204" pitchFamily="34" charset="0"/>
-              <a:buNone/>
-            </a:pPr>
-            <a:endParaRPr lang="en-US" altLang="ko-KR" b="1" dirty="0"/>
-          </a:p>
-          <a:p>
-            <a:pPr marL="0" indent="0">
-              <a:buFont typeface="Arial" panose="020B0604020202020204" pitchFamily="34" charset="0"/>
-              <a:buNone/>
-            </a:pPr>
+            <a:pPr algn="l"/>
             <a:r>
               <a:rPr lang="ko-KR" altLang="en-US" b="1" dirty="0"/>
-              <a:t>구조</a:t>
-            </a:r>
-            <a:endParaRPr lang="en-US" altLang="ko-KR" b="1" dirty="0"/>
-          </a:p>
-          <a:p>
-            <a:pPr marL="0" indent="0">
-              <a:buFont typeface="Arial" panose="020B0604020202020204" pitchFamily="34" charset="0"/>
-              <a:buNone/>
-            </a:pPr>
+              <a:t>② </a:t>
+            </a:r>
+            <a:r>
+              <a:rPr lang="en-US" altLang="ko-KR" b="1" dirty="0" err="1"/>
+              <a:t>Taglib</a:t>
+            </a:r>
             <a:r>
               <a:rPr lang="en-US" altLang="ko-KR" b="1" dirty="0"/>
-              <a:t> &lt;</a:t>
-            </a:r>
-            <a:r>
-              <a:rPr lang="en-US" altLang="ko-KR" sz="6000" b="1" dirty="0"/>
-              <a:t>%</a:t>
-            </a:r>
-            <a:r>
-              <a:rPr lang="en-US" altLang="ko-KR" dirty="0"/>
-              <a:t> </a:t>
-            </a:r>
-            <a:r>
-              <a:rPr lang="en-US" altLang="ko-KR" dirty="0">
-                <a:solidFill>
-                  <a:srgbClr val="FF0000"/>
+              <a:t> - </a:t>
+            </a:r>
+            <a:r>
+              <a:rPr lang="en-US" altLang="ko-KR" sz="2000" dirty="0"/>
+              <a:t>JSP</a:t>
+            </a:r>
+            <a:r>
+              <a:rPr lang="ko-KR" altLang="en-US" sz="2000" dirty="0"/>
+              <a:t>페이지에서 사용할 태그 라이브러리를 지정</a:t>
+            </a:r>
+            <a:endParaRPr lang="ko-KR" altLang="en-US" sz="2000" b="1" dirty="0"/>
+          </a:p>
+          <a:p>
+            <a:pPr algn="l"/>
+            <a:endParaRPr lang="ko-KR" altLang="en-US" b="1" dirty="0"/>
+          </a:p>
+          <a:p>
+            <a:endParaRPr lang="ko-KR" altLang="en-US" dirty="0"/>
+          </a:p>
+        </p:txBody>
+      </p:sp>
+      <p:pic>
+        <p:nvPicPr>
+          <p:cNvPr id="10" name="그림 9">
+            <a:extLst>
+              <a:ext uri="{FF2B5EF4-FFF2-40B4-BE49-F238E27FC236}">
+                <a16:creationId xmlns:a16="http://schemas.microsoft.com/office/drawing/2014/main" xmlns="" id="{7BD742D1-DEAB-488E-8736-3014BA66A0F3}"/>
+              </a:ext>
+            </a:extLst>
+          </p:cNvPr>
+          <p:cNvPicPr>
+            <a:picLocks noChangeAspect="1"/>
+          </p:cNvPicPr>
+          <p:nvPr/>
+        </p:nvPicPr>
+        <p:blipFill>
+          <a:blip r:embed="rId2">
+            <a:extLst>
+              <a:ext uri="{28A0092B-C50C-407E-A947-70E740481C1C}">
+                <a14:useLocalDpi xmlns:a14="http://schemas.microsoft.com/office/drawing/2010/main" val="0"/>
+              </a:ext>
+            </a:extLst>
+          </a:blip>
+          <a:stretch>
+            <a:fillRect/>
+          </a:stretch>
+        </p:blipFill>
+        <p:spPr>
+          <a:xfrm>
+            <a:off x="1291983" y="2266622"/>
+            <a:ext cx="9316750" cy="381053"/>
+          </a:xfrm>
+          <a:prstGeom prst="rect">
+            <a:avLst/>
+          </a:prstGeom>
+        </p:spPr>
+      </p:pic>
+      <p:sp>
+        <p:nvSpPr>
+          <p:cNvPr id="15" name="TextBox 14">
+            <a:extLst>
+              <a:ext uri="{FF2B5EF4-FFF2-40B4-BE49-F238E27FC236}">
+                <a16:creationId xmlns:a16="http://schemas.microsoft.com/office/drawing/2014/main" xmlns="" id="{7DBE7033-4277-464B-B685-EC8B03FD57FA}"/>
+              </a:ext>
+            </a:extLst>
+          </p:cNvPr>
+          <p:cNvSpPr txBox="1"/>
+          <p:nvPr/>
+        </p:nvSpPr>
+        <p:spPr>
+          <a:xfrm>
+            <a:off x="1291983" y="2755492"/>
+            <a:ext cx="7199588" cy="1015663"/>
+          </a:xfrm>
+          <a:prstGeom prst="rect">
+            <a:avLst/>
+          </a:prstGeom>
+          <a:noFill/>
+        </p:spPr>
+        <p:txBody>
+          <a:bodyPr wrap="square" rtlCol="0">
+            <a:spAutoFit/>
+          </a:bodyPr>
+          <a:lstStyle/>
+          <a:p>
+            <a:r>
+              <a:rPr lang="en-US" altLang="ko-KR" sz="2000" b="1" dirty="0">
+                <a:solidFill>
+                  <a:schemeClr val="accent6">
+                    <a:lumMod val="60000"/>
+                    <a:lumOff val="40000"/>
+                  </a:schemeClr>
                 </a:solidFill>
               </a:rPr>
-              <a:t>String name = “</a:t>
-            </a:r>
-            <a:r>
-              <a:rPr lang="ko-KR" altLang="en-US" dirty="0">
-                <a:solidFill>
-                  <a:srgbClr val="FF0000"/>
+              <a:t>prefix</a:t>
+            </a:r>
+            <a:r>
+              <a:rPr lang="en-US" altLang="ko-KR" sz="2000" dirty="0"/>
+              <a:t> : tag</a:t>
+            </a:r>
+            <a:r>
+              <a:rPr lang="ko-KR" altLang="en-US" sz="2000" dirty="0"/>
+              <a:t>를 </a:t>
+            </a:r>
+            <a:r>
+              <a:rPr lang="ko-KR" altLang="en-US" sz="2000" dirty="0" err="1"/>
+              <a:t>가르키는</a:t>
+            </a:r>
+            <a:r>
+              <a:rPr lang="ko-KR" altLang="en-US" sz="2000" dirty="0"/>
+              <a:t> 이름 값</a:t>
+            </a:r>
+            <a:r>
+              <a:rPr lang="en-US" altLang="ko-KR" sz="2000" dirty="0"/>
+              <a:t>  </a:t>
+            </a:r>
+            <a:r>
+              <a:rPr lang="en-US" altLang="ko-KR" sz="2000" b="1" dirty="0" err="1">
+                <a:solidFill>
+                  <a:schemeClr val="accent6">
+                    <a:lumMod val="60000"/>
+                    <a:lumOff val="40000"/>
+                  </a:schemeClr>
                 </a:solidFill>
               </a:rPr>
-              <a:t>정원영</a:t>
-            </a:r>
-            <a:r>
-              <a:rPr lang="en-US" altLang="ko-KR" dirty="0">
-                <a:solidFill>
-                  <a:srgbClr val="FF0000"/>
-                </a:solidFill>
-              </a:rPr>
-              <a:t>”;</a:t>
-            </a:r>
-            <a:r>
-              <a:rPr lang="en-US" altLang="ko-KR" dirty="0"/>
-              <a:t> </a:t>
-            </a:r>
-            <a:r>
-              <a:rPr lang="en-US" altLang="ko-KR" b="1" dirty="0"/>
-              <a:t>%&gt;</a:t>
-            </a:r>
-          </a:p>
-          <a:p>
-            <a:pPr marL="0" indent="0">
-              <a:buFont typeface="Arial" panose="020B0604020202020204" pitchFamily="34" charset="0"/>
-              <a:buNone/>
-            </a:pPr>
-            <a:r>
-              <a:rPr lang="en-US" altLang="ko-KR" sz="1800" b="1" dirty="0">
-                <a:solidFill>
-                  <a:srgbClr val="FF0000"/>
-                </a:solidFill>
-              </a:rPr>
-              <a:t>            Java</a:t>
-            </a:r>
-            <a:r>
-              <a:rPr lang="ko-KR" altLang="en-US" sz="1800" b="1" dirty="0">
-                <a:solidFill>
-                  <a:srgbClr val="FF0000"/>
-                </a:solidFill>
-              </a:rPr>
-              <a:t> </a:t>
-            </a:r>
-            <a:r>
-              <a:rPr lang="en-US" altLang="ko-KR" sz="1800" b="1" dirty="0">
-                <a:solidFill>
-                  <a:srgbClr val="FF0000"/>
-                </a:solidFill>
-              </a:rPr>
-              <a:t>code</a:t>
-            </a:r>
-            <a:r>
-              <a:rPr lang="ko-KR" altLang="en-US" sz="1800" b="1" dirty="0">
-                <a:solidFill>
-                  <a:srgbClr val="FF0000"/>
-                </a:solidFill>
-              </a:rPr>
-              <a:t>영역</a:t>
-            </a:r>
-            <a:r>
-              <a:rPr lang="en-US" altLang="ko-KR" sz="1800" b="1" dirty="0">
-                <a:solidFill>
-                  <a:srgbClr val="FF0000"/>
-                </a:solidFill>
-              </a:rPr>
-              <a:t>(</a:t>
-            </a:r>
-            <a:r>
-              <a:rPr lang="ko-KR" altLang="en-US" sz="1800" b="1" dirty="0">
-                <a:solidFill>
-                  <a:srgbClr val="FF0000"/>
-                </a:solidFill>
-              </a:rPr>
-              <a:t>메소드 영역</a:t>
-            </a:r>
-            <a:r>
-              <a:rPr lang="en-US" altLang="ko-KR" sz="1800" b="1" dirty="0">
-                <a:solidFill>
-                  <a:srgbClr val="FF0000"/>
-                </a:solidFill>
-              </a:rPr>
-              <a:t>) </a:t>
-            </a:r>
-            <a:r>
-              <a:rPr lang="ko-KR" altLang="en-US" sz="1800" b="1" dirty="0">
-                <a:solidFill>
-                  <a:srgbClr val="FF0000"/>
-                </a:solidFill>
-              </a:rPr>
-              <a:t>메소드 선언</a:t>
-            </a:r>
-            <a:r>
-              <a:rPr lang="en-US" altLang="ko-KR" sz="1800" b="1" dirty="0">
-                <a:solidFill>
-                  <a:srgbClr val="FF0000"/>
-                </a:solidFill>
-              </a:rPr>
-              <a:t>x</a:t>
-            </a:r>
-            <a:endParaRPr lang="en-US" altLang="ko-KR" sz="1800" b="1" dirty="0"/>
-          </a:p>
-          <a:p>
-            <a:pPr marL="0" indent="0">
-              <a:buFont typeface="Arial" panose="020B0604020202020204" pitchFamily="34" charset="0"/>
-              <a:buNone/>
-            </a:pPr>
-            <a:endParaRPr lang="en-US" altLang="ko-KR" b="1" dirty="0"/>
-          </a:p>
-          <a:p>
-            <a:pPr marL="0" indent="0">
-              <a:buFont typeface="Arial" panose="020B0604020202020204" pitchFamily="34" charset="0"/>
-              <a:buNone/>
-            </a:pPr>
-            <a:endParaRPr lang="en-US" altLang="ko-KR" b="1" dirty="0"/>
-          </a:p>
-          <a:p>
-            <a:pPr marL="0" indent="0">
-              <a:buFont typeface="Arial" panose="020B0604020202020204" pitchFamily="34" charset="0"/>
-              <a:buNone/>
-            </a:pPr>
-            <a:endParaRPr lang="en-US" altLang="ko-KR" dirty="0"/>
-          </a:p>
-          <a:p>
-            <a:pPr marL="0" indent="0">
-              <a:buFont typeface="Arial" panose="020B0604020202020204" pitchFamily="34" charset="0"/>
-              <a:buNone/>
-            </a:pPr>
-            <a:endParaRPr lang="ko-KR" altLang="en-US" dirty="0"/>
-          </a:p>
-        </p:txBody>
-      </p:sp>
+              <a:t>uri</a:t>
+            </a:r>
+            <a:r>
+              <a:rPr lang="en-US" altLang="ko-KR" sz="2000" dirty="0"/>
+              <a:t> : </a:t>
+            </a:r>
+            <a:r>
+              <a:rPr lang="en-US" altLang="ko-KR" sz="2000" dirty="0" err="1"/>
+              <a:t>taglib</a:t>
+            </a:r>
+            <a:r>
+              <a:rPr lang="ko-KR" altLang="en-US" sz="2000" dirty="0"/>
+              <a:t>의 위치 값</a:t>
+            </a:r>
+            <a:endParaRPr lang="en-US" altLang="ko-KR" sz="2000" dirty="0"/>
+          </a:p>
+          <a:p>
+            <a:endParaRPr lang="en-US" altLang="ko-KR" sz="2000" dirty="0"/>
+          </a:p>
+          <a:p>
+            <a:r>
+              <a:rPr lang="en-US" altLang="ko-KR" sz="2000" b="1" dirty="0"/>
+              <a:t>ex)</a:t>
+            </a:r>
+            <a:endParaRPr lang="ko-KR" altLang="en-US" sz="2000" b="1" dirty="0"/>
+          </a:p>
+        </p:txBody>
+      </p:sp>
+      <p:pic>
+        <p:nvPicPr>
+          <p:cNvPr id="17" name="그림 16">
+            <a:extLst>
+              <a:ext uri="{FF2B5EF4-FFF2-40B4-BE49-F238E27FC236}">
+                <a16:creationId xmlns:a16="http://schemas.microsoft.com/office/drawing/2014/main" xmlns="" id="{2EE1AEF9-0802-4E55-92F9-B72DFC4693E1}"/>
+              </a:ext>
+            </a:extLst>
+          </p:cNvPr>
+          <p:cNvPicPr>
+            <a:picLocks noChangeAspect="1"/>
+          </p:cNvPicPr>
+          <p:nvPr/>
+        </p:nvPicPr>
+        <p:blipFill>
+          <a:blip r:embed="rId3">
+            <a:extLst>
+              <a:ext uri="{28A0092B-C50C-407E-A947-70E740481C1C}">
+                <a14:useLocalDpi xmlns:a14="http://schemas.microsoft.com/office/drawing/2010/main" val="0"/>
+              </a:ext>
+            </a:extLst>
+          </a:blip>
+          <a:stretch>
+            <a:fillRect/>
+          </a:stretch>
+        </p:blipFill>
+        <p:spPr>
+          <a:xfrm>
+            <a:off x="1912314" y="3685947"/>
+            <a:ext cx="5958925" cy="2503685"/>
+          </a:xfrm>
+          <a:prstGeom prst="rect">
+            <a:avLst/>
+          </a:prstGeom>
+        </p:spPr>
+      </p:pic>
     </p:spTree>
     <p:extLst>
       <p:ext uri="{BB962C8B-B14F-4D97-AF65-F5344CB8AC3E}">
-        <p14:creationId xmlns:p14="http://schemas.microsoft.com/office/powerpoint/2010/main" val="1910252288"/>
+        <p14:creationId xmlns:p14="http://schemas.microsoft.com/office/powerpoint/2010/main" val="4150094440"/>
       </p:ext>
     </p:extLst>
   </p:cSld>
   <p:clrMapOvr>
     <a:masterClrMapping/>
   </p:clrMapOvr>
+  <p:timing>
+    <p:tnLst>
+      <p:par>
+        <p:cTn id="1" dur="indefinite" restart="never" nodeType="tmRoot"/>
+      </p:par>
+    </p:tnLst>
+  </p:timing>
 </p:sld>
 </file>
 
-<file path=ppt/slides/slide8.xml><?xml version="1.0" encoding="utf-8"?>
+<file path=ppt/slides/slide7.xml><?xml version="1.0" encoding="utf-8"?>
 <p:sld xmlns:a="http://schemas.openxmlformats.org/drawingml/2006/main" xmlns:r="http://schemas.openxmlformats.org/officeDocument/2006/relationships" xmlns:p="http://schemas.openxmlformats.org/presentationml/2006/main">
   <p:cSld>
     <p:spTree>
@@ -7236,7 +6694,7 @@
           <p:cNvPr id="4" name="TextBox 3">
             <a:extLst>
               <a:ext uri="{FF2B5EF4-FFF2-40B4-BE49-F238E27FC236}">
-                <a16:creationId xmlns:a16="http://schemas.microsoft.com/office/drawing/2014/main" id="{8CD3CB4D-C492-4C04-903F-0A21B9C89DB5}"/>
+                <a16:creationId xmlns:a16="http://schemas.microsoft.com/office/drawing/2014/main" xmlns="" id="{8CD3CB4D-C492-4C04-903F-0A21B9C89DB5}"/>
               </a:ext>
             </a:extLst>
           </p:cNvPr>
@@ -7261,7 +6719,19 @@
           <a:p>
             <a:r>
               <a:rPr lang="en-US" altLang="ko-KR" sz="4400" b="1" dirty="0"/>
-              <a:t>3. Expression ‘=’</a:t>
+              <a:t>2. </a:t>
+            </a:r>
+            <a:r>
+              <a:rPr lang="en-US" altLang="ko-KR" sz="4400" b="1" dirty="0" err="1"/>
+              <a:t>Scriptlet</a:t>
+            </a:r>
+            <a:r>
+              <a:rPr lang="ko-KR" altLang="en-US" sz="4400" b="1" dirty="0"/>
+              <a:t> </a:t>
+            </a:r>
+            <a:r>
+              <a:rPr lang="en-US" altLang="ko-KR" sz="4400" b="1" dirty="0"/>
+              <a:t>‘%’</a:t>
             </a:r>
           </a:p>
         </p:txBody>
@@ -7271,7 +6741,7 @@
           <p:cNvPr id="6" name="직선 연결선 5">
             <a:extLst>
               <a:ext uri="{FF2B5EF4-FFF2-40B4-BE49-F238E27FC236}">
-                <a16:creationId xmlns:a16="http://schemas.microsoft.com/office/drawing/2014/main" id="{D69EC740-4310-4DC6-A821-F330CA42F051}"/>
+                <a16:creationId xmlns:a16="http://schemas.microsoft.com/office/drawing/2014/main" xmlns="" id="{D69EC740-4310-4DC6-A821-F330CA42F051}"/>
               </a:ext>
             </a:extLst>
           </p:cNvPr>
@@ -7307,10 +6777,87 @@
       </p:cxnSp>
       <p:sp>
         <p:nvSpPr>
+          <p:cNvPr id="12" name="내용 개체 틀 11">
+            <a:extLst>
+              <a:ext uri="{FF2B5EF4-FFF2-40B4-BE49-F238E27FC236}">
+                <a16:creationId xmlns:a16="http://schemas.microsoft.com/office/drawing/2014/main" xmlns="" id="{9E2DC5F8-6E94-4673-AF01-A6BE64595FC6}"/>
+              </a:ext>
+            </a:extLst>
+          </p:cNvPr>
+          <p:cNvSpPr>
+            <a:spLocks noGrp="1"/>
+          </p:cNvSpPr>
+          <p:nvPr>
+            <p:ph idx="1"/>
+          </p:nvPr>
+        </p:nvSpPr>
+        <p:spPr>
+          <a:xfrm>
+            <a:off x="927097" y="2209711"/>
+            <a:ext cx="4931836" cy="2438577"/>
+          </a:xfrm>
+        </p:spPr>
+        <p:txBody>
+          <a:bodyPr>
+            <a:normAutofit/>
+          </a:bodyPr>
+          <a:lstStyle/>
+          <a:p>
+            <a:pPr marL="0" indent="0">
+              <a:lnSpc>
+                <a:spcPct val="150000"/>
+              </a:lnSpc>
+              <a:buNone/>
+            </a:pPr>
+            <a:r>
+              <a:rPr lang="en-US" altLang="ko-KR" sz="3600" b="1" dirty="0" err="1"/>
+              <a:t>Scriptlet</a:t>
+            </a:r>
+            <a:endParaRPr lang="en-US" altLang="ko-KR" sz="3600" b="0" i="0" dirty="0">
+              <a:solidFill>
+                <a:srgbClr val="5F5F5F"/>
+              </a:solidFill>
+              <a:effectLst/>
+              <a:latin typeface="나눔고딕코딩"/>
+            </a:endParaRPr>
+          </a:p>
+          <a:p>
+            <a:pPr marL="0" indent="0">
+              <a:lnSpc>
+                <a:spcPct val="150000"/>
+              </a:lnSpc>
+              <a:buNone/>
+            </a:pPr>
+            <a:r>
+              <a:rPr lang="en-US" altLang="ko-KR" sz="2400" b="0" i="0" dirty="0">
+                <a:effectLst/>
+                <a:latin typeface="나눔고딕코딩"/>
+              </a:rPr>
+              <a:t>JSP</a:t>
+            </a:r>
+            <a:r>
+              <a:rPr lang="ko-KR" altLang="en-US" sz="2400" b="0" i="0" dirty="0">
+                <a:effectLst/>
+                <a:latin typeface="나눔고딕코딩"/>
+              </a:rPr>
+              <a:t>에서 일반적으로 많이 사용</a:t>
+            </a:r>
+            <a:endParaRPr lang="en-US" altLang="ko-KR" sz="2400" b="1" dirty="0"/>
+          </a:p>
+          <a:p>
+            <a:pPr marL="0" indent="0">
+              <a:buNone/>
+            </a:pPr>
+            <a:endParaRPr lang="ko-KR" altLang="en-US" dirty="0"/>
+          </a:p>
+        </p:txBody>
+      </p:sp>
+      <p:sp>
+        <p:nvSpPr>
           <p:cNvPr id="5" name="내용 개체 틀 11">
             <a:extLst>
               <a:ext uri="{FF2B5EF4-FFF2-40B4-BE49-F238E27FC236}">
-                <a16:creationId xmlns:a16="http://schemas.microsoft.com/office/drawing/2014/main" id="{27AB5E1E-8587-4F36-ADB4-214D12622262}"/>
+                <a16:creationId xmlns:a16="http://schemas.microsoft.com/office/drawing/2014/main" xmlns="" id="{8F25ACBD-A8AF-403F-B87C-E3D8865228B7}"/>
               </a:ext>
             </a:extLst>
           </p:cNvPr>
@@ -7321,7 +6868,7 @@
         </p:nvSpPr>
         <p:spPr>
           <a:xfrm>
-            <a:off x="5135030" y="1324825"/>
+            <a:off x="5719232" y="1364116"/>
             <a:ext cx="6409267" cy="4351338"/>
           </a:xfrm>
           <a:prstGeom prst="rect">
@@ -7498,6 +7045,7 @@
           </a:lstStyle>
           <a:p>
             <a:pPr marL="0" indent="0">
+              <a:buFont typeface="Arial" panose="020B0604020202020204" pitchFamily="34" charset="0"/>
               <a:buNone/>
             </a:pPr>
             <a:endParaRPr lang="en-US" altLang="ko-KR" b="1" dirty="0"/>
@@ -7527,6 +7075,491 @@
             </a:pPr>
             <a:r>
               <a:rPr lang="en-US" altLang="ko-KR" b="1" dirty="0"/>
+              <a:t> &lt;</a:t>
+            </a:r>
+            <a:r>
+              <a:rPr lang="en-US" altLang="ko-KR" sz="6000" b="1" dirty="0"/>
+              <a:t>%</a:t>
+            </a:r>
+            <a:r>
+              <a:rPr lang="en-US" altLang="ko-KR" dirty="0"/>
+              <a:t> </a:t>
+            </a:r>
+            <a:r>
+              <a:rPr lang="en-US" altLang="ko-KR" dirty="0">
+                <a:solidFill>
+                  <a:srgbClr val="FF0000"/>
+                </a:solidFill>
+              </a:rPr>
+              <a:t>String name = “</a:t>
+            </a:r>
+            <a:r>
+              <a:rPr lang="ko-KR" altLang="en-US" dirty="0">
+                <a:solidFill>
+                  <a:srgbClr val="FF0000"/>
+                </a:solidFill>
+              </a:rPr>
+              <a:t>정원영</a:t>
+            </a:r>
+            <a:r>
+              <a:rPr lang="en-US" altLang="ko-KR" dirty="0">
+                <a:solidFill>
+                  <a:srgbClr val="FF0000"/>
+                </a:solidFill>
+              </a:rPr>
+              <a:t>”;</a:t>
+            </a:r>
+            <a:r>
+              <a:rPr lang="en-US" altLang="ko-KR" dirty="0"/>
+              <a:t> </a:t>
+            </a:r>
+            <a:r>
+              <a:rPr lang="en-US" altLang="ko-KR" b="1" dirty="0"/>
+              <a:t>%&gt;</a:t>
+            </a:r>
+          </a:p>
+          <a:p>
+            <a:pPr marL="0" indent="0">
+              <a:buFont typeface="Arial" panose="020B0604020202020204" pitchFamily="34" charset="0"/>
+              <a:buNone/>
+            </a:pPr>
+            <a:r>
+              <a:rPr lang="en-US" altLang="ko-KR" sz="1800" b="1" dirty="0">
+                <a:solidFill>
+                  <a:srgbClr val="FF0000"/>
+                </a:solidFill>
+              </a:rPr>
+              <a:t>            Java</a:t>
+            </a:r>
+            <a:r>
+              <a:rPr lang="ko-KR" altLang="en-US" sz="1800" b="1" dirty="0">
+                <a:solidFill>
+                  <a:srgbClr val="FF0000"/>
+                </a:solidFill>
+              </a:rPr>
+              <a:t> </a:t>
+            </a:r>
+            <a:r>
+              <a:rPr lang="en-US" altLang="ko-KR" sz="1800" b="1" dirty="0">
+                <a:solidFill>
+                  <a:srgbClr val="FF0000"/>
+                </a:solidFill>
+              </a:rPr>
+              <a:t>code</a:t>
+            </a:r>
+            <a:r>
+              <a:rPr lang="ko-KR" altLang="en-US" sz="1800" b="1" dirty="0">
+                <a:solidFill>
+                  <a:srgbClr val="FF0000"/>
+                </a:solidFill>
+              </a:rPr>
+              <a:t>영역</a:t>
+            </a:r>
+            <a:r>
+              <a:rPr lang="en-US" altLang="ko-KR" sz="1800" b="1" dirty="0">
+                <a:solidFill>
+                  <a:srgbClr val="FF0000"/>
+                </a:solidFill>
+              </a:rPr>
+              <a:t>(</a:t>
+            </a:r>
+            <a:r>
+              <a:rPr lang="ko-KR" altLang="en-US" sz="1800" b="1" dirty="0">
+                <a:solidFill>
+                  <a:srgbClr val="FF0000"/>
+                </a:solidFill>
+              </a:rPr>
+              <a:t>메소드 영역</a:t>
+            </a:r>
+            <a:r>
+              <a:rPr lang="en-US" altLang="ko-KR" sz="1800" b="1" dirty="0">
+                <a:solidFill>
+                  <a:srgbClr val="FF0000"/>
+                </a:solidFill>
+              </a:rPr>
+              <a:t>) </a:t>
+            </a:r>
+            <a:r>
+              <a:rPr lang="ko-KR" altLang="en-US" sz="1800" b="1" dirty="0">
+                <a:solidFill>
+                  <a:srgbClr val="FF0000"/>
+                </a:solidFill>
+              </a:rPr>
+              <a:t>메소드 선언</a:t>
+            </a:r>
+            <a:r>
+              <a:rPr lang="en-US" altLang="ko-KR" sz="1800" b="1" dirty="0">
+                <a:solidFill>
+                  <a:srgbClr val="FF0000"/>
+                </a:solidFill>
+              </a:rPr>
+              <a:t>x</a:t>
+            </a:r>
+            <a:endParaRPr lang="en-US" altLang="ko-KR" sz="1800" b="1" dirty="0"/>
+          </a:p>
+          <a:p>
+            <a:pPr marL="0" indent="0">
+              <a:buFont typeface="Arial" panose="020B0604020202020204" pitchFamily="34" charset="0"/>
+              <a:buNone/>
+            </a:pPr>
+            <a:endParaRPr lang="en-US" altLang="ko-KR" b="1" dirty="0"/>
+          </a:p>
+          <a:p>
+            <a:pPr marL="0" indent="0">
+              <a:buFont typeface="Arial" panose="020B0604020202020204" pitchFamily="34" charset="0"/>
+              <a:buNone/>
+            </a:pPr>
+            <a:endParaRPr lang="en-US" altLang="ko-KR" b="1" dirty="0"/>
+          </a:p>
+          <a:p>
+            <a:pPr marL="0" indent="0">
+              <a:buFont typeface="Arial" panose="020B0604020202020204" pitchFamily="34" charset="0"/>
+              <a:buNone/>
+            </a:pPr>
+            <a:endParaRPr lang="en-US" altLang="ko-KR" dirty="0"/>
+          </a:p>
+          <a:p>
+            <a:pPr marL="0" indent="0">
+              <a:buFont typeface="Arial" panose="020B0604020202020204" pitchFamily="34" charset="0"/>
+              <a:buNone/>
+            </a:pPr>
+            <a:endParaRPr lang="ko-KR" altLang="en-US" dirty="0"/>
+          </a:p>
+        </p:txBody>
+      </p:sp>
+    </p:spTree>
+    <p:extLst>
+      <p:ext uri="{BB962C8B-B14F-4D97-AF65-F5344CB8AC3E}">
+        <p14:creationId xmlns:p14="http://schemas.microsoft.com/office/powerpoint/2010/main" val="1910252288"/>
+      </p:ext>
+    </p:extLst>
+  </p:cSld>
+  <p:clrMapOvr>
+    <a:masterClrMapping/>
+  </p:clrMapOvr>
+  <p:timing>
+    <p:tnLst>
+      <p:par>
+        <p:cTn id="1" dur="indefinite" restart="never" nodeType="tmRoot"/>
+      </p:par>
+    </p:tnLst>
+  </p:timing>
+</p:sld>
+</file>
+
+<file path=ppt/slides/slide8.xml><?xml version="1.0" encoding="utf-8"?>
+<p:sld xmlns:a="http://schemas.openxmlformats.org/drawingml/2006/main" xmlns:r="http://schemas.openxmlformats.org/officeDocument/2006/relationships" xmlns:p="http://schemas.openxmlformats.org/presentationml/2006/main">
+  <p:cSld>
+    <p:spTree>
+      <p:nvGrpSpPr>
+        <p:cNvPr id="1" name=""/>
+        <p:cNvGrpSpPr/>
+        <p:nvPr/>
+      </p:nvGrpSpPr>
+      <p:grpSpPr>
+        <a:xfrm>
+          <a:off x="0" y="0"/>
+          <a:ext cx="0" cy="0"/>
+          <a:chOff x="0" y="0"/>
+          <a:chExt cx="0" cy="0"/>
+        </a:xfrm>
+      </p:grpSpPr>
+      <p:sp>
+        <p:nvSpPr>
+          <p:cNvPr id="4" name="TextBox 3">
+            <a:extLst>
+              <a:ext uri="{FF2B5EF4-FFF2-40B4-BE49-F238E27FC236}">
+                <a16:creationId xmlns:a16="http://schemas.microsoft.com/office/drawing/2014/main" xmlns="" id="{8CD3CB4D-C492-4C04-903F-0A21B9C89DB5}"/>
+              </a:ext>
+            </a:extLst>
+          </p:cNvPr>
+          <p:cNvSpPr txBox="1"/>
+          <p:nvPr/>
+        </p:nvSpPr>
+        <p:spPr>
+          <a:xfrm>
+            <a:off x="353681" y="231657"/>
+            <a:ext cx="4887185" cy="769441"/>
+          </a:xfrm>
+          <a:prstGeom prst="rect">
+            <a:avLst/>
+          </a:prstGeom>
+          <a:noFill/>
+        </p:spPr>
+        <p:txBody>
+          <a:bodyPr wrap="square" rtlCol="0">
+            <a:spAutoFit/>
+          </a:bodyPr>
+          <a:lstStyle/>
+          <a:p>
+            <a:r>
+              <a:rPr lang="en-US" altLang="ko-KR" sz="4400" b="1" dirty="0"/>
+              <a:t>3. Expression ‘=’</a:t>
+            </a:r>
+          </a:p>
+        </p:txBody>
+      </p:sp>
+      <p:cxnSp>
+        <p:nvCxnSpPr>
+          <p:cNvPr id="6" name="직선 연결선 5">
+            <a:extLst>
+              <a:ext uri="{FF2B5EF4-FFF2-40B4-BE49-F238E27FC236}">
+                <a16:creationId xmlns:a16="http://schemas.microsoft.com/office/drawing/2014/main" xmlns="" id="{D69EC740-4310-4DC6-A821-F330CA42F051}"/>
+              </a:ext>
+            </a:extLst>
+          </p:cNvPr>
+          <p:cNvCxnSpPr>
+            <a:cxnSpLocks/>
+          </p:cNvCxnSpPr>
+          <p:nvPr/>
+        </p:nvCxnSpPr>
+        <p:spPr>
+          <a:xfrm>
+            <a:off x="0" y="1142546"/>
+            <a:ext cx="12192000" cy="0"/>
+          </a:xfrm>
+          <a:prstGeom prst="line">
+            <a:avLst/>
+          </a:prstGeom>
+          <a:ln w="76200"/>
+        </p:spPr>
+        <p:style>
+          <a:lnRef idx="1">
+            <a:schemeClr val="dk1"/>
+          </a:lnRef>
+          <a:fillRef idx="0">
+            <a:schemeClr val="dk1"/>
+          </a:fillRef>
+          <a:effectRef idx="0">
+            <a:schemeClr val="dk1"/>
+          </a:effectRef>
+          <a:fontRef idx="minor">
+            <a:schemeClr val="tx1"/>
+          </a:fontRef>
+        </p:style>
+      </p:cxnSp>
+      <p:sp>
+        <p:nvSpPr>
+          <p:cNvPr id="5" name="내용 개체 틀 11">
+            <a:extLst>
+              <a:ext uri="{FF2B5EF4-FFF2-40B4-BE49-F238E27FC236}">
+                <a16:creationId xmlns:a16="http://schemas.microsoft.com/office/drawing/2014/main" xmlns="" id="{27AB5E1E-8587-4F36-ADB4-214D12622262}"/>
+              </a:ext>
+            </a:extLst>
+          </p:cNvPr>
+          <p:cNvSpPr txBox="1">
+            <a:spLocks/>
+          </p:cNvSpPr>
+          <p:nvPr/>
+        </p:nvSpPr>
+        <p:spPr>
+          <a:xfrm>
+            <a:off x="5135030" y="1324825"/>
+            <a:ext cx="6409267" cy="4351338"/>
+          </a:xfrm>
+          <a:prstGeom prst="rect">
+            <a:avLst/>
+          </a:prstGeom>
+        </p:spPr>
+        <p:txBody>
+          <a:bodyPr vert="horz" lIns="91440" tIns="45720" rIns="91440" bIns="45720" rtlCol="0">
+            <a:normAutofit/>
+          </a:bodyPr>
+          <a:lstStyle>
+            <a:lvl1pPr marL="228600" indent="-228600" algn="l" defTabSz="914400" rtl="0" eaLnBrk="1" latinLnBrk="1" hangingPunct="1">
+              <a:lnSpc>
+                <a:spcPct val="90000"/>
+              </a:lnSpc>
+              <a:spcBef>
+                <a:spcPts val="1000"/>
+              </a:spcBef>
+              <a:buFont typeface="Arial" panose="020B0604020202020204" pitchFamily="34" charset="0"/>
+              <a:buChar char="•"/>
+              <a:defRPr sz="2800" kern="1200">
+                <a:solidFill>
+                  <a:schemeClr val="tx1"/>
+                </a:solidFill>
+                <a:latin typeface="+mn-lt"/>
+                <a:ea typeface="+mn-ea"/>
+                <a:cs typeface="+mn-cs"/>
+              </a:defRPr>
+            </a:lvl1pPr>
+            <a:lvl2pPr marL="685800" indent="-228600" algn="l" defTabSz="914400" rtl="0" eaLnBrk="1" latinLnBrk="1" hangingPunct="1">
+              <a:lnSpc>
+                <a:spcPct val="90000"/>
+              </a:lnSpc>
+              <a:spcBef>
+                <a:spcPts val="500"/>
+              </a:spcBef>
+              <a:buFont typeface="Arial" panose="020B0604020202020204" pitchFamily="34" charset="0"/>
+              <a:buChar char="•"/>
+              <a:defRPr sz="2400" kern="1200">
+                <a:solidFill>
+                  <a:schemeClr val="tx1"/>
+                </a:solidFill>
+                <a:latin typeface="+mn-lt"/>
+                <a:ea typeface="+mn-ea"/>
+                <a:cs typeface="+mn-cs"/>
+              </a:defRPr>
+            </a:lvl2pPr>
+            <a:lvl3pPr marL="1143000" indent="-228600" algn="l" defTabSz="914400" rtl="0" eaLnBrk="1" latinLnBrk="1" hangingPunct="1">
+              <a:lnSpc>
+                <a:spcPct val="90000"/>
+              </a:lnSpc>
+              <a:spcBef>
+                <a:spcPts val="500"/>
+              </a:spcBef>
+              <a:buFont typeface="Arial" panose="020B0604020202020204" pitchFamily="34" charset="0"/>
+              <a:buChar char="•"/>
+              <a:defRPr sz="2000" kern="1200">
+                <a:solidFill>
+                  <a:schemeClr val="tx1"/>
+                </a:solidFill>
+                <a:latin typeface="+mn-lt"/>
+                <a:ea typeface="+mn-ea"/>
+                <a:cs typeface="+mn-cs"/>
+              </a:defRPr>
+            </a:lvl3pPr>
+            <a:lvl4pPr marL="1600200" indent="-228600" algn="l" defTabSz="914400" rtl="0" eaLnBrk="1" latinLnBrk="1" hangingPunct="1">
+              <a:lnSpc>
+                <a:spcPct val="90000"/>
+              </a:lnSpc>
+              <a:spcBef>
+                <a:spcPts val="500"/>
+              </a:spcBef>
+              <a:buFont typeface="Arial" panose="020B0604020202020204" pitchFamily="34" charset="0"/>
+              <a:buChar char="•"/>
+              <a:defRPr sz="1800" kern="1200">
+                <a:solidFill>
+                  <a:schemeClr val="tx1"/>
+                </a:solidFill>
+                <a:latin typeface="+mn-lt"/>
+                <a:ea typeface="+mn-ea"/>
+                <a:cs typeface="+mn-cs"/>
+              </a:defRPr>
+            </a:lvl4pPr>
+            <a:lvl5pPr marL="2057400" indent="-228600" algn="l" defTabSz="914400" rtl="0" eaLnBrk="1" latinLnBrk="1" hangingPunct="1">
+              <a:lnSpc>
+                <a:spcPct val="90000"/>
+              </a:lnSpc>
+              <a:spcBef>
+                <a:spcPts val="500"/>
+              </a:spcBef>
+              <a:buFont typeface="Arial" panose="020B0604020202020204" pitchFamily="34" charset="0"/>
+              <a:buChar char="•"/>
+              <a:defRPr sz="1800" kern="1200">
+                <a:solidFill>
+                  <a:schemeClr val="tx1"/>
+                </a:solidFill>
+                <a:latin typeface="+mn-lt"/>
+                <a:ea typeface="+mn-ea"/>
+                <a:cs typeface="+mn-cs"/>
+              </a:defRPr>
+            </a:lvl5pPr>
+            <a:lvl6pPr marL="2514600" indent="-228600" algn="l" defTabSz="914400" rtl="0" eaLnBrk="1" latinLnBrk="1" hangingPunct="1">
+              <a:lnSpc>
+                <a:spcPct val="90000"/>
+              </a:lnSpc>
+              <a:spcBef>
+                <a:spcPts val="500"/>
+              </a:spcBef>
+              <a:buFont typeface="Arial" panose="020B0604020202020204" pitchFamily="34" charset="0"/>
+              <a:buChar char="•"/>
+              <a:defRPr sz="1800" kern="1200">
+                <a:solidFill>
+                  <a:schemeClr val="tx1"/>
+                </a:solidFill>
+                <a:latin typeface="+mn-lt"/>
+                <a:ea typeface="+mn-ea"/>
+                <a:cs typeface="+mn-cs"/>
+              </a:defRPr>
+            </a:lvl6pPr>
+            <a:lvl7pPr marL="2971800" indent="-228600" algn="l" defTabSz="914400" rtl="0" eaLnBrk="1" latinLnBrk="1" hangingPunct="1">
+              <a:lnSpc>
+                <a:spcPct val="90000"/>
+              </a:lnSpc>
+              <a:spcBef>
+                <a:spcPts val="500"/>
+              </a:spcBef>
+              <a:buFont typeface="Arial" panose="020B0604020202020204" pitchFamily="34" charset="0"/>
+              <a:buChar char="•"/>
+              <a:defRPr sz="1800" kern="1200">
+                <a:solidFill>
+                  <a:schemeClr val="tx1"/>
+                </a:solidFill>
+                <a:latin typeface="+mn-lt"/>
+                <a:ea typeface="+mn-ea"/>
+                <a:cs typeface="+mn-cs"/>
+              </a:defRPr>
+            </a:lvl7pPr>
+            <a:lvl8pPr marL="3429000" indent="-228600" algn="l" defTabSz="914400" rtl="0" eaLnBrk="1" latinLnBrk="1" hangingPunct="1">
+              <a:lnSpc>
+                <a:spcPct val="90000"/>
+              </a:lnSpc>
+              <a:spcBef>
+                <a:spcPts val="500"/>
+              </a:spcBef>
+              <a:buFont typeface="Arial" panose="020B0604020202020204" pitchFamily="34" charset="0"/>
+              <a:buChar char="•"/>
+              <a:defRPr sz="1800" kern="1200">
+                <a:solidFill>
+                  <a:schemeClr val="tx1"/>
+                </a:solidFill>
+                <a:latin typeface="+mn-lt"/>
+                <a:ea typeface="+mn-ea"/>
+                <a:cs typeface="+mn-cs"/>
+              </a:defRPr>
+            </a:lvl8pPr>
+            <a:lvl9pPr marL="3886200" indent="-228600" algn="l" defTabSz="914400" rtl="0" eaLnBrk="1" latinLnBrk="1" hangingPunct="1">
+              <a:lnSpc>
+                <a:spcPct val="90000"/>
+              </a:lnSpc>
+              <a:spcBef>
+                <a:spcPts val="500"/>
+              </a:spcBef>
+              <a:buFont typeface="Arial" panose="020B0604020202020204" pitchFamily="34" charset="0"/>
+              <a:buChar char="•"/>
+              <a:defRPr sz="1800" kern="1200">
+                <a:solidFill>
+                  <a:schemeClr val="tx1"/>
+                </a:solidFill>
+                <a:latin typeface="+mn-lt"/>
+                <a:ea typeface="+mn-ea"/>
+                <a:cs typeface="+mn-cs"/>
+              </a:defRPr>
+            </a:lvl9pPr>
+          </a:lstStyle>
+          <a:p>
+            <a:pPr marL="0" indent="0">
+              <a:buNone/>
+            </a:pPr>
+            <a:endParaRPr lang="en-US" altLang="ko-KR" b="1" dirty="0"/>
+          </a:p>
+          <a:p>
+            <a:pPr marL="0" indent="0">
+              <a:buFont typeface="Arial" panose="020B0604020202020204" pitchFamily="34" charset="0"/>
+              <a:buNone/>
+            </a:pPr>
+            <a:endParaRPr lang="en-US" altLang="ko-KR" b="1" dirty="0"/>
+          </a:p>
+          <a:p>
+            <a:pPr marL="0" indent="0">
+              <a:buFont typeface="Arial" panose="020B0604020202020204" pitchFamily="34" charset="0"/>
+              <a:buNone/>
+            </a:pPr>
+            <a:r>
+              <a:rPr lang="ko-KR" altLang="en-US" b="1" dirty="0"/>
+              <a:t>구조</a:t>
+            </a:r>
+            <a:endParaRPr lang="en-US" altLang="ko-KR" b="1" dirty="0"/>
+          </a:p>
+          <a:p>
+            <a:pPr marL="0" indent="0">
+              <a:buFont typeface="Arial" panose="020B0604020202020204" pitchFamily="34" charset="0"/>
+              <a:buNone/>
+            </a:pPr>
+            <a:r>
+              <a:rPr lang="en-US" altLang="ko-KR" b="1" dirty="0"/>
               <a:t>&lt;%</a:t>
             </a:r>
             <a:r>
@@ -7593,7 +7626,7 @@
           <p:cNvPr id="8" name="내용 개체 틀 11">
             <a:extLst>
               <a:ext uri="{FF2B5EF4-FFF2-40B4-BE49-F238E27FC236}">
-                <a16:creationId xmlns:a16="http://schemas.microsoft.com/office/drawing/2014/main" id="{C45C5C91-9579-47F8-B387-05DA90F60F3B}"/>
+                <a16:creationId xmlns:a16="http://schemas.microsoft.com/office/drawing/2014/main" xmlns="" id="{C45C5C91-9579-47F8-B387-05DA90F60F3B}"/>
               </a:ext>
             </a:extLst>
           </p:cNvPr>
@@ -7663,7 +7696,7 @@
           <p:cNvPr id="9" name="TextBox 8">
             <a:extLst>
               <a:ext uri="{FF2B5EF4-FFF2-40B4-BE49-F238E27FC236}">
-                <a16:creationId xmlns:a16="http://schemas.microsoft.com/office/drawing/2014/main" id="{58B49A38-8689-4748-806F-D0B254EE9AC3}"/>
+                <a16:creationId xmlns:a16="http://schemas.microsoft.com/office/drawing/2014/main" xmlns="" id="{58B49A38-8689-4748-806F-D0B254EE9AC3}"/>
               </a:ext>
             </a:extLst>
           </p:cNvPr>
@@ -7757,6 +7790,13 @@
   <p:clrMapOvr>
     <a:masterClrMapping/>
   </p:clrMapOvr>
+  <p:timing>
+    <p:tnLst>
+      <p:par>
+        <p:cTn id="1" dur="indefinite" restart="never" nodeType="tmRoot"/>
+      </p:par>
+    </p:tnLst>
+  </p:timing>
 </p:sld>
 </file>
 
@@ -7782,7 +7822,7 @@
           <p:cNvPr id="4" name="TextBox 3">
             <a:extLst>
               <a:ext uri="{FF2B5EF4-FFF2-40B4-BE49-F238E27FC236}">
-                <a16:creationId xmlns:a16="http://schemas.microsoft.com/office/drawing/2014/main" id="{8CD3CB4D-C492-4C04-903F-0A21B9C89DB5}"/>
+                <a16:creationId xmlns:a16="http://schemas.microsoft.com/office/drawing/2014/main" xmlns="" id="{8CD3CB4D-C492-4C04-903F-0A21B9C89DB5}"/>
               </a:ext>
             </a:extLst>
           </p:cNvPr>
@@ -7817,7 +7857,7 @@
           <p:cNvPr id="6" name="직선 연결선 5">
             <a:extLst>
               <a:ext uri="{FF2B5EF4-FFF2-40B4-BE49-F238E27FC236}">
-                <a16:creationId xmlns:a16="http://schemas.microsoft.com/office/drawing/2014/main" id="{D69EC740-4310-4DC6-A821-F330CA42F051}"/>
+                <a16:creationId xmlns:a16="http://schemas.microsoft.com/office/drawing/2014/main" xmlns="" id="{D69EC740-4310-4DC6-A821-F330CA42F051}"/>
               </a:ext>
             </a:extLst>
           </p:cNvPr>
@@ -7856,7 +7896,7 @@
           <p:cNvPr id="3" name="그림 2">
             <a:extLst>
               <a:ext uri="{FF2B5EF4-FFF2-40B4-BE49-F238E27FC236}">
-                <a16:creationId xmlns:a16="http://schemas.microsoft.com/office/drawing/2014/main" id="{D7B4FE98-1A65-4058-82D0-79C5AEBD42F2}"/>
+                <a16:creationId xmlns:a16="http://schemas.microsoft.com/office/drawing/2014/main" xmlns="" id="{D7B4FE98-1A65-4058-82D0-79C5AEBD42F2}"/>
               </a:ext>
             </a:extLst>
           </p:cNvPr>
@@ -7892,7 +7932,7 @@
           <p:cNvPr id="7" name="내용 개체 틀 11">
             <a:extLst>
               <a:ext uri="{FF2B5EF4-FFF2-40B4-BE49-F238E27FC236}">
-                <a16:creationId xmlns:a16="http://schemas.microsoft.com/office/drawing/2014/main" id="{01E22F1E-F80B-4BAC-A0A0-C0CF69D17FC4}"/>
+                <a16:creationId xmlns:a16="http://schemas.microsoft.com/office/drawing/2014/main" xmlns="" id="{01E22F1E-F80B-4BAC-A0A0-C0CF69D17FC4}"/>
               </a:ext>
             </a:extLst>
           </p:cNvPr>
@@ -8158,7 +8198,7 @@
           <p:cNvPr id="10" name="내용 개체 틀 11">
             <a:extLst>
               <a:ext uri="{FF2B5EF4-FFF2-40B4-BE49-F238E27FC236}">
-                <a16:creationId xmlns:a16="http://schemas.microsoft.com/office/drawing/2014/main" id="{DCBAB3AB-0EFB-49F7-8B46-3E25C7698CCA}"/>
+                <a16:creationId xmlns:a16="http://schemas.microsoft.com/office/drawing/2014/main" xmlns="" id="{DCBAB3AB-0EFB-49F7-8B46-3E25C7698CCA}"/>
               </a:ext>
             </a:extLst>
           </p:cNvPr>
@@ -8754,7 +8794,7 @@
   <a:extraClrSchemeLst/>
   <a:extLst>
     <a:ext uri="{05A4C25C-085E-4340-85A3-A5531E510DB2}">
-      <thm15:themeFamily xmlns:thm15="http://schemas.microsoft.com/office/thememl/2012/main" name="Office Theme" id="{62F939B6-93AF-4DB8-9C6B-D6C7DFDC589F}" vid="{4A3C46E8-61CC-4603-A589-7422A47A8E4A}"/>
+      <thm15:themeFamily xmlns:thm15="http://schemas.microsoft.com/office/thememl/2012/main" xmlns="" name="Office Theme" id="{62F939B6-93AF-4DB8-9C6B-D6C7DFDC589F}" vid="{4A3C46E8-61CC-4603-A589-7422A47A8E4A}"/>
     </a:ext>
   </a:extLst>
 </a:theme>
@@ -9049,7 +9089,7 @@
   <a:extraClrSchemeLst/>
   <a:extLst>
     <a:ext uri="{05A4C25C-085E-4340-85A3-A5531E510DB2}">
-      <thm15:themeFamily xmlns:thm15="http://schemas.microsoft.com/office/thememl/2012/main" name="Office Theme" id="{62F939B6-93AF-4DB8-9C6B-D6C7DFDC589F}" vid="{4A3C46E8-61CC-4603-A589-7422A47A8E4A}"/>
+      <thm15:themeFamily xmlns:thm15="http://schemas.microsoft.com/office/thememl/2012/main" xmlns="" name="Office Theme" id="{62F939B6-93AF-4DB8-9C6B-D6C7DFDC589F}" vid="{4A3C46E8-61CC-4603-A589-7422A47A8E4A}"/>
     </a:ext>
   </a:extLst>
 </a:theme>
